--- a/NakovitzaPresentation.pptx
+++ b/NakovitzaPresentation.pptx
@@ -14,7 +14,6 @@
     <p:sldId id="262" r:id="rId8"/>
     <p:sldId id="263" r:id="rId9"/>
     <p:sldId id="269" r:id="rId10"/>
-    <p:sldId id="270" r:id="rId11"/>
   </p:sldIdLst>
   <p:sldSz cx="12192000" cy="6858000"/>
   <p:notesSz cx="6858000" cy="9144000"/>
@@ -113,6 +112,11 @@
       </a:defRPr>
     </a:lvl9pPr>
   </p:defaultTextStyle>
+  <p:extLst>
+    <p:ext uri="{EFAFB233-063F-42B5-8137-9DF3F51BA10A}">
+      <p15:sldGuideLst xmlns:p15="http://schemas.microsoft.com/office/powerpoint/2012/main"/>
+    </p:ext>
+  </p:extLst>
 </p:presentation>
 </file>
 
@@ -6251,7 +6255,7 @@
         </p:nvSpPr>
         <p:spPr>
           <a:xfrm>
-            <a:off x="1154954" y="1447800"/>
+            <a:off x="1013667" y="482788"/>
             <a:ext cx="9474946" cy="3329581"/>
           </a:xfrm>
         </p:spPr>
@@ -6450,7 +6454,7 @@
         </p:nvSpPr>
         <p:spPr>
           <a:xfrm>
-            <a:off x="1662955" y="3983631"/>
+            <a:off x="1662955" y="5229053"/>
             <a:ext cx="8825658" cy="1587500"/>
           </a:xfrm>
         </p:spPr>
@@ -6479,300 +6483,9 @@
           </a:p>
         </p:txBody>
       </p:sp>
-    </p:spTree>
-    <p:extLst>
-      <p:ext uri="{BB962C8B-B14F-4D97-AF65-F5344CB8AC3E}">
-        <p14:creationId xmlns:p14="http://schemas.microsoft.com/office/powerpoint/2010/main" val="614607038"/>
-      </p:ext>
-    </p:extLst>
-  </p:cSld>
-  <p:clrMapOvr>
-    <a:masterClrMapping/>
-  </p:clrMapOvr>
-  <mc:AlternateContent xmlns:mc="http://schemas.openxmlformats.org/markup-compatibility/2006">
-    <mc:Choice xmlns:p14="http://schemas.microsoft.com/office/powerpoint/2010/main" Requires="p14">
-      <p:transition p14:dur="100">
-        <p:cut/>
-      </p:transition>
-    </mc:Choice>
-    <mc:Fallback>
-      <p:transition>
-        <p:cut/>
-      </p:transition>
-    </mc:Fallback>
-  </mc:AlternateContent>
-  <p:timing>
-    <p:tnLst>
-      <p:par>
-        <p:cTn id="1" dur="indefinite" restart="never" nodeType="tmRoot"/>
-      </p:par>
-    </p:tnLst>
-  </p:timing>
-</p:sld>
-</file>
-
-<file path=ppt/slides/slide10.xml><?xml version="1.0" encoding="utf-8"?>
-<p:sld xmlns:a="http://schemas.openxmlformats.org/drawingml/2006/main" xmlns:r="http://schemas.openxmlformats.org/officeDocument/2006/relationships" xmlns:p="http://schemas.openxmlformats.org/presentationml/2006/main" showMasterSp="0">
-  <p:cSld>
-    <p:spTree>
-      <p:nvGrpSpPr>
-        <p:cNvPr id="1" name=""/>
-        <p:cNvGrpSpPr/>
-        <p:nvPr/>
-      </p:nvGrpSpPr>
-      <p:grpSpPr>
-        <a:xfrm>
-          <a:off x="0" y="0"/>
-          <a:ext cx="0" cy="0"/>
-          <a:chOff x="0" y="0"/>
-          <a:chExt cx="0" cy="0"/>
-        </a:xfrm>
-      </p:grpSpPr>
-      <p:sp>
-        <p:nvSpPr>
-          <p:cNvPr id="5" name="Title 1"/>
-          <p:cNvSpPr txBox="1">
-            <a:spLocks noGrp="1"/>
-          </p:cNvSpPr>
-          <p:nvPr>
-            <p:ph type="title"/>
-          </p:nvPr>
-        </p:nvSpPr>
-        <p:spPr>
-          <a:xfrm>
-            <a:off x="1433902" y="368311"/>
-            <a:ext cx="9404723" cy="1400530"/>
-          </a:xfrm>
-          <a:prstGeom prst="rect">
-            <a:avLst/>
-          </a:prstGeom>
-        </p:spPr>
-        <p:txBody>
-          <a:bodyPr vert="horz" lIns="91440" tIns="45720" rIns="91440" bIns="45720" rtlCol="0" anchor="t">
-            <a:noAutofit/>
-          </a:bodyPr>
-          <a:lstStyle>
-            <a:lvl1pPr algn="l" defTabSz="457200" rtl="0" eaLnBrk="1" latinLnBrk="0" hangingPunct="1">
-              <a:spcBef>
-                <a:spcPct val="0"/>
-              </a:spcBef>
-              <a:buNone/>
-              <a:defRPr sz="4200" b="0" i="0" kern="1200">
-                <a:solidFill>
-                  <a:schemeClr val="tx2"/>
-                </a:solidFill>
-                <a:latin typeface="+mj-lt"/>
-                <a:ea typeface="+mj-ea"/>
-                <a:cs typeface="+mj-cs"/>
-              </a:defRPr>
-            </a:lvl1pPr>
-            <a:lvl2pPr eaLnBrk="1" hangingPunct="1">
-              <a:defRPr>
-                <a:solidFill>
-                  <a:schemeClr val="tx2"/>
-                </a:solidFill>
-              </a:defRPr>
-            </a:lvl2pPr>
-            <a:lvl3pPr eaLnBrk="1" hangingPunct="1">
-              <a:defRPr>
-                <a:solidFill>
-                  <a:schemeClr val="tx2"/>
-                </a:solidFill>
-              </a:defRPr>
-            </a:lvl3pPr>
-            <a:lvl4pPr eaLnBrk="1" hangingPunct="1">
-              <a:defRPr>
-                <a:solidFill>
-                  <a:schemeClr val="tx2"/>
-                </a:solidFill>
-              </a:defRPr>
-            </a:lvl4pPr>
-            <a:lvl5pPr eaLnBrk="1" hangingPunct="1">
-              <a:defRPr>
-                <a:solidFill>
-                  <a:schemeClr val="tx2"/>
-                </a:solidFill>
-              </a:defRPr>
-            </a:lvl5pPr>
-            <a:lvl6pPr eaLnBrk="1" hangingPunct="1">
-              <a:defRPr>
-                <a:solidFill>
-                  <a:schemeClr val="tx2"/>
-                </a:solidFill>
-              </a:defRPr>
-            </a:lvl6pPr>
-            <a:lvl7pPr eaLnBrk="1" hangingPunct="1">
-              <a:defRPr>
-                <a:solidFill>
-                  <a:schemeClr val="tx2"/>
-                </a:solidFill>
-              </a:defRPr>
-            </a:lvl7pPr>
-            <a:lvl8pPr eaLnBrk="1" hangingPunct="1">
-              <a:defRPr>
-                <a:solidFill>
-                  <a:schemeClr val="tx2"/>
-                </a:solidFill>
-              </a:defRPr>
-            </a:lvl8pPr>
-            <a:lvl9pPr eaLnBrk="1" hangingPunct="1">
-              <a:defRPr>
-                <a:solidFill>
-                  <a:schemeClr val="tx2"/>
-                </a:solidFill>
-              </a:defRPr>
-            </a:lvl9pPr>
-          </a:lstStyle>
-          <a:p>
-            <a:pPr algn="ctr"/>
-            <a:r>
-              <a:rPr lang="en-US" sz="5500" i="1" dirty="0" smtClean="0">
-                <a:latin typeface="Agency FB" panose="020B0503020202020204" pitchFamily="34" charset="0"/>
-              </a:rPr>
-              <a:t>Team COCONUT </a:t>
-            </a:r>
-            <a:br>
-              <a:rPr lang="en-US" sz="5500" i="1" dirty="0" smtClean="0">
-                <a:latin typeface="Agency FB" panose="020B0503020202020204" pitchFamily="34" charset="0"/>
-              </a:rPr>
-            </a:br>
-            <a:r>
-              <a:rPr lang="en-US" sz="5500" i="1" dirty="0" smtClean="0">
-                <a:latin typeface="Agency FB" panose="020B0503020202020204" pitchFamily="34" charset="0"/>
-              </a:rPr>
-              <a:t>Members:</a:t>
-            </a:r>
-            <a:endParaRPr lang="en-US" sz="5500" i="1" dirty="0">
-              <a:latin typeface="Agency FB" panose="020B0503020202020204" pitchFamily="34" charset="0"/>
-            </a:endParaRPr>
-          </a:p>
-        </p:txBody>
-      </p:sp>
-      <p:sp>
-        <p:nvSpPr>
-          <p:cNvPr id="6" name="Content Placeholder 2"/>
-          <p:cNvSpPr>
-            <a:spLocks noGrp="1"/>
-          </p:cNvSpPr>
-          <p:nvPr>
-            <p:ph sz="half" idx="1"/>
-          </p:nvPr>
-        </p:nvSpPr>
-        <p:spPr>
-          <a:xfrm>
-            <a:off x="1117379" y="5430127"/>
-            <a:ext cx="4396339" cy="826209"/>
-          </a:xfrm>
-        </p:spPr>
-        <p:txBody>
-          <a:bodyPr>
-            <a:normAutofit/>
-          </a:bodyPr>
-          <a:lstStyle/>
-          <a:p>
-            <a:pPr marL="0" indent="0" algn="ctr">
-              <a:buNone/>
-            </a:pPr>
-            <a:r>
-              <a:rPr lang="en-US" sz="3000" dirty="0" smtClean="0">
-                <a:latin typeface="Agency FB" panose="020B0503020202020204" pitchFamily="34" charset="0"/>
-              </a:rPr>
-              <a:t>Martin </a:t>
-            </a:r>
-            <a:r>
-              <a:rPr lang="en-US" sz="3000" dirty="0" err="1" smtClean="0">
-                <a:latin typeface="Agency FB" panose="020B0503020202020204" pitchFamily="34" charset="0"/>
-              </a:rPr>
-              <a:t>Kurshumov</a:t>
-            </a:r>
-            <a:endParaRPr lang="en-US" sz="3000" dirty="0">
-              <a:latin typeface="Agency FB" panose="020B0503020202020204" pitchFamily="34" charset="0"/>
-            </a:endParaRPr>
-          </a:p>
-        </p:txBody>
-      </p:sp>
-      <p:sp>
-        <p:nvSpPr>
-          <p:cNvPr id="7" name="Content Placeholder 2"/>
-          <p:cNvSpPr>
-            <a:spLocks noGrp="1"/>
-          </p:cNvSpPr>
-          <p:nvPr>
-            <p:ph sz="half" idx="1"/>
-          </p:nvPr>
-        </p:nvSpPr>
-        <p:spPr>
-          <a:xfrm>
-            <a:off x="6442286" y="5430128"/>
-            <a:ext cx="4396339" cy="826209"/>
-          </a:xfrm>
-        </p:spPr>
-        <p:txBody>
-          <a:bodyPr>
-            <a:normAutofit/>
-          </a:bodyPr>
-          <a:lstStyle/>
-          <a:p>
-            <a:pPr marL="0" indent="0" algn="ctr">
-              <a:buNone/>
-            </a:pPr>
-            <a:r>
-              <a:rPr lang="en-US" sz="3000" dirty="0" err="1" smtClean="0">
-                <a:latin typeface="Agency FB" panose="020B0503020202020204" pitchFamily="34" charset="0"/>
-              </a:rPr>
-              <a:t>Kaloyan</a:t>
-            </a:r>
-            <a:r>
-              <a:rPr lang="en-US" sz="3000" dirty="0" smtClean="0">
-                <a:latin typeface="Agency FB" panose="020B0503020202020204" pitchFamily="34" charset="0"/>
-              </a:rPr>
-              <a:t> </a:t>
-            </a:r>
-            <a:r>
-              <a:rPr lang="en-US" sz="3000" dirty="0" err="1" smtClean="0">
-                <a:latin typeface="Agency FB" panose="020B0503020202020204" pitchFamily="34" charset="0"/>
-              </a:rPr>
-              <a:t>Botev</a:t>
-            </a:r>
-            <a:endParaRPr lang="en-US" sz="3000" dirty="0">
-              <a:latin typeface="Agency FB" panose="020B0503020202020204" pitchFamily="34" charset="0"/>
-            </a:endParaRPr>
-          </a:p>
-        </p:txBody>
-      </p:sp>
       <p:pic>
         <p:nvPicPr>
-          <p:cNvPr id="8" name="Picture 7"/>
-          <p:cNvPicPr>
-            <a:picLocks noChangeAspect="1"/>
-          </p:cNvPicPr>
-          <p:nvPr/>
-        </p:nvPicPr>
-        <p:blipFill>
-          <a:blip r:embed="rId2">
-            <a:extLst>
-              <a:ext uri="{28A0092B-C50C-407E-A947-70E740481C1C}">
-                <a14:useLocalDpi xmlns:a14="http://schemas.microsoft.com/office/drawing/2010/main" val="0"/>
-              </a:ext>
-            </a:extLst>
-          </a:blip>
-          <a:stretch>
-            <a:fillRect/>
-          </a:stretch>
-        </p:blipFill>
-        <p:spPr>
-          <a:xfrm>
-            <a:off x="1723033" y="2479197"/>
-            <a:ext cx="3185029" cy="2782120"/>
-          </a:xfrm>
-          <a:prstGeom prst="rect">
-            <a:avLst/>
-          </a:prstGeom>
-        </p:spPr>
-      </p:pic>
-      <p:pic>
-        <p:nvPicPr>
-          <p:cNvPr id="9" name="Picture 8"/>
+          <p:cNvPr id="4" name="Picture 3"/>
           <p:cNvPicPr>
             <a:picLocks noChangeAspect="1"/>
           </p:cNvPicPr>
@@ -6792,8 +6505,8 @@
         </p:blipFill>
         <p:spPr>
           <a:xfrm>
-            <a:off x="7101769" y="2479196"/>
-            <a:ext cx="3077372" cy="2782121"/>
+            <a:off x="3632906" y="1638709"/>
+            <a:ext cx="4885756" cy="3253914"/>
           </a:xfrm>
           <a:prstGeom prst="rect">
             <a:avLst/>
@@ -6803,13 +6516,25 @@
     </p:spTree>
     <p:extLst>
       <p:ext uri="{BB962C8B-B14F-4D97-AF65-F5344CB8AC3E}">
-        <p14:creationId xmlns:p14="http://schemas.microsoft.com/office/powerpoint/2010/main" val="2011343709"/>
+        <p14:creationId xmlns:p14="http://schemas.microsoft.com/office/powerpoint/2010/main" val="614607038"/>
       </p:ext>
     </p:extLst>
   </p:cSld>
   <p:clrMapOvr>
     <a:masterClrMapping/>
   </p:clrMapOvr>
+  <mc:AlternateContent xmlns:mc="http://schemas.openxmlformats.org/markup-compatibility/2006" xmlns:p14="http://schemas.microsoft.com/office/powerpoint/2010/main">
+    <mc:Choice Requires="p14">
+      <p:transition p14:dur="100">
+        <p:cut/>
+      </p:transition>
+    </mc:Choice>
+    <mc:Fallback xmlns="">
+      <p:transition>
+        <p:cut/>
+      </p:transition>
+    </mc:Fallback>
+  </mc:AlternateContent>
   <p:timing>
     <p:tnLst>
       <p:par>
@@ -7217,6 +6942,23 @@
             <a:off x="2138289" y="1965789"/>
             <a:ext cx="8117057" cy="3970777"/>
           </a:xfrm>
+          <a:prstGeom prst="rect">
+            <a:avLst/>
+          </a:prstGeom>
+          <a:ln w="38100" cap="sq">
+            <a:solidFill>
+              <a:srgbClr val="000000"/>
+            </a:solidFill>
+            <a:prstDash val="solid"/>
+            <a:miter lim="800000"/>
+          </a:ln>
+          <a:effectLst>
+            <a:outerShdw blurRad="50800" dist="38100" dir="2700000" algn="tl" rotWithShape="0">
+              <a:srgbClr val="000000">
+                <a:alpha val="43000"/>
+              </a:srgbClr>
+            </a:outerShdw>
+          </a:effectLst>
         </p:spPr>
       </p:pic>
     </p:spTree>
@@ -7401,13 +7143,13 @@
         </p:nvSpPr>
         <p:spPr>
           <a:xfrm>
-            <a:off x="1294228" y="745587"/>
-            <a:ext cx="9357508" cy="5573149"/>
+            <a:off x="966159" y="707365"/>
+            <a:ext cx="10351698" cy="5611371"/>
           </a:xfrm>
         </p:spPr>
         <p:txBody>
           <a:bodyPr>
-            <a:normAutofit/>
+            <a:normAutofit fontScale="92500" lnSpcReduction="10000"/>
           </a:bodyPr>
           <a:lstStyle/>
           <a:p>
@@ -7416,8 +7158,13 @@
             </a:pPr>
             <a:r>
               <a:rPr lang="bg-BG" sz="4000" dirty="0" smtClean="0"/>
-              <a:t>Колкото повече „бири“  (				)</a:t>
-            </a:r>
+              <a:t>Колкото повече „бири“  (			</a:t>
+            </a:r>
+            <a:r>
+              <a:rPr lang="bg-BG" sz="4000" dirty="0" smtClean="0"/>
+              <a:t> )</a:t>
+            </a:r>
+            <a:endParaRPr lang="bg-BG" sz="4000" dirty="0" smtClean="0"/>
           </a:p>
           <a:p>
             <a:pPr marL="0" indent="0">
@@ -7429,8 +7176,23 @@
             </a:r>
             <a:r>
               <a:rPr lang="bg-BG" sz="4000" dirty="0"/>
-              <a:t>по-бавен и труден за управление става Наков.</a:t>
-            </a:r>
+              <a:t>по-бавен и труден за управление става Наков</a:t>
+            </a:r>
+            <a:r>
+              <a:rPr lang="bg-BG" sz="4000" dirty="0" smtClean="0"/>
+              <a:t>.</a:t>
+            </a:r>
+            <a:endParaRPr lang="en-US" sz="4000" dirty="0" smtClean="0"/>
+          </a:p>
+          <a:p>
+            <a:pPr marL="0" indent="0">
+              <a:buNone/>
+            </a:pPr>
+            <a:r>
+              <a:rPr lang="bg-BG" sz="4000" dirty="0" smtClean="0"/>
+              <a:t>След изпити 30 бири, контролите наляво и надясно се разменят.</a:t>
+            </a:r>
+            <a:endParaRPr lang="bg-BG" sz="4000" dirty="0"/>
           </a:p>
           <a:p>
             <a:pPr marL="0" indent="0">
@@ -7444,7 +7206,15 @@
             </a:pPr>
             <a:r>
               <a:rPr lang="bg-BG" sz="3800" dirty="0" smtClean="0"/>
-              <a:t>Бонус бутилките „ ракия“ (		 ) излизат през определен период  и носят допълнително време, както и правят героя ви по-бърз.			</a:t>
+              <a:t>Бонус бутилките „ ракия“ (		 </a:t>
+            </a:r>
+            <a:r>
+              <a:rPr lang="bg-BG" sz="3800" dirty="0" smtClean="0"/>
+              <a:t> ) </a:t>
+            </a:r>
+            <a:r>
+              <a:rPr lang="bg-BG" sz="3800" dirty="0" smtClean="0"/>
+              <a:t>излизат през определен период  и носят допълнително време, както и правят героя ви по-бърз.			</a:t>
             </a:r>
             <a:r>
               <a:rPr lang="bg-BG" sz="4000" dirty="0" smtClean="0"/>
@@ -7467,7 +7237,7 @@
       </p:sp>
       <p:pic>
         <p:nvPicPr>
-          <p:cNvPr id="4" name="Picture 3"/>
+          <p:cNvPr id="5" name="Picture 4"/>
           <p:cNvPicPr>
             <a:picLocks noChangeAspect="1"/>
           </p:cNvPicPr>
@@ -7487,8 +7257,8 @@
         </p:blipFill>
         <p:spPr>
           <a:xfrm>
-            <a:off x="7976065" y="422031"/>
-            <a:ext cx="1111662" cy="1111662"/>
+            <a:off x="6998070" y="3362581"/>
+            <a:ext cx="710576" cy="1443344"/>
           </a:xfrm>
           <a:prstGeom prst="rect">
             <a:avLst/>
@@ -7497,7 +7267,7 @@
       </p:pic>
       <p:pic>
         <p:nvPicPr>
-          <p:cNvPr id="5" name="Picture 4"/>
+          <p:cNvPr id="2" name="Picture 1"/>
           <p:cNvPicPr>
             <a:picLocks noChangeAspect="1"/>
           </p:cNvPicPr>
@@ -7517,8 +7287,8 @@
         </p:blipFill>
         <p:spPr>
           <a:xfrm>
-            <a:off x="7976065" y="2810489"/>
-            <a:ext cx="710576" cy="1443344"/>
+            <a:off x="6998070" y="156364"/>
+            <a:ext cx="1102001" cy="1102001"/>
           </a:xfrm>
           <a:prstGeom prst="rect">
             <a:avLst/>
@@ -7590,17 +7360,30 @@
               <a:t>		</a:t>
             </a:r>
             <a:r>
-              <a:rPr lang="en-US" dirty="0" smtClean="0"/>
-              <a:t>“</a:t>
+              <a:rPr lang="en-US" sz="4000" dirty="0"/>
+              <a:t> </a:t>
             </a:r>
             <a:r>
               <a:rPr lang="en-US" sz="4000" dirty="0" smtClean="0"/>
-              <a:t>Drunk-O-Meter ” (					</a:t>
+              <a:t>”Drunk-O-Meter </a:t>
+            </a:r>
+            <a:r>
+              <a:rPr lang="en-US" sz="4000" dirty="0" smtClean="0"/>
+              <a:t>” (			</a:t>
+            </a:r>
+            <a:r>
+              <a:rPr lang="en-US" sz="4000" dirty="0"/>
+              <a:t> </a:t>
+            </a:r>
+            <a:r>
+              <a:rPr lang="en-US" sz="4000" dirty="0" smtClean="0"/>
+              <a:t>  </a:t>
             </a:r>
             <a:r>
               <a:rPr lang="bg-BG" sz="4000" dirty="0" smtClean="0"/>
               <a:t>) </a:t>
             </a:r>
+            <a:endParaRPr lang="bg-BG" sz="4000" dirty="0" smtClean="0"/>
           </a:p>
           <a:p>
             <a:pPr marL="0" indent="0">
@@ -7644,7 +7427,7 @@
         </p:blipFill>
         <p:spPr>
           <a:xfrm>
-            <a:off x="7233234" y="986070"/>
+            <a:off x="7336751" y="986070"/>
             <a:ext cx="1523809" cy="1003175"/>
           </a:xfrm>
           <a:prstGeom prst="rect">
@@ -7701,7 +7484,7 @@
         </p:nvSpPr>
         <p:spPr>
           <a:xfrm>
-            <a:off x="1297595" y="5387927"/>
+            <a:off x="-685424" y="5203525"/>
             <a:ext cx="4467494" cy="784005"/>
           </a:xfrm>
         </p:spPr>
@@ -7738,7 +7521,7 @@
         </p:nvSpPr>
         <p:spPr>
           <a:xfrm>
-            <a:off x="6259404" y="5387927"/>
+            <a:off x="2445155" y="5162955"/>
             <a:ext cx="4396341" cy="784005"/>
           </a:xfrm>
         </p:spPr>
@@ -7915,12 +7698,26 @@
         </p:blipFill>
         <p:spPr>
           <a:xfrm>
-            <a:off x="1984247" y="2574388"/>
-            <a:ext cx="3094190" cy="2706418"/>
+            <a:off x="116422" y="2551588"/>
+            <a:ext cx="2863802" cy="2504903"/>
           </a:xfrm>
           <a:prstGeom prst="rect">
             <a:avLst/>
           </a:prstGeom>
+          <a:ln w="38100" cap="sq">
+            <a:solidFill>
+              <a:srgbClr val="000000"/>
+            </a:solidFill>
+            <a:prstDash val="solid"/>
+            <a:miter lim="800000"/>
+          </a:ln>
+          <a:effectLst>
+            <a:outerShdw blurRad="50800" dist="38100" dir="2700000" algn="tl" rotWithShape="0">
+              <a:srgbClr val="000000">
+                <a:alpha val="43000"/>
+              </a:srgbClr>
+            </a:outerShdw>
+          </a:effectLst>
         </p:spPr>
       </p:pic>
       <p:pic>
@@ -7945,14 +7742,658 @@
         </p:blipFill>
         <p:spPr>
           <a:xfrm>
-            <a:off x="7005711" y="2574388"/>
-            <a:ext cx="3136657" cy="2706418"/>
+            <a:off x="3191773" y="2554898"/>
+            <a:ext cx="2903107" cy="2504903"/>
+          </a:xfrm>
+          <a:prstGeom prst="rect">
+            <a:avLst/>
+          </a:prstGeom>
+          <a:ln w="38100" cap="sq">
+            <a:solidFill>
+              <a:srgbClr val="000000"/>
+            </a:solidFill>
+            <a:prstDash val="solid"/>
+            <a:miter lim="800000"/>
+          </a:ln>
+          <a:effectLst>
+            <a:outerShdw blurRad="50800" dist="38100" dir="2700000" algn="tl" rotWithShape="0">
+              <a:srgbClr val="000000">
+                <a:alpha val="43000"/>
+              </a:srgbClr>
+            </a:outerShdw>
+          </a:effectLst>
+        </p:spPr>
+      </p:pic>
+      <p:pic>
+        <p:nvPicPr>
+          <p:cNvPr id="7" name="Picture 6"/>
+          <p:cNvPicPr>
+            <a:picLocks noChangeAspect="1"/>
+          </p:cNvPicPr>
+          <p:nvPr/>
+        </p:nvPicPr>
+        <p:blipFill>
+          <a:blip r:embed="rId4">
+            <a:extLst>
+              <a:ext uri="{28A0092B-C50C-407E-A947-70E740481C1C}">
+                <a14:useLocalDpi xmlns:a14="http://schemas.microsoft.com/office/drawing/2010/main" val="0"/>
+              </a:ext>
+            </a:extLst>
+          </a:blip>
+          <a:stretch>
+            <a:fillRect/>
+          </a:stretch>
+        </p:blipFill>
+        <p:spPr>
+          <a:xfrm>
+            <a:off x="6306427" y="2561322"/>
+            <a:ext cx="2845377" cy="2485434"/>
+          </a:xfrm>
+          <a:prstGeom prst="rect">
+            <a:avLst/>
+          </a:prstGeom>
+          <a:ln w="38100" cap="sq">
+            <a:solidFill>
+              <a:srgbClr val="000000"/>
+            </a:solidFill>
+            <a:prstDash val="solid"/>
+            <a:miter lim="800000"/>
+          </a:ln>
+          <a:effectLst>
+            <a:outerShdw blurRad="50800" dist="38100" dir="2700000" algn="tl" rotWithShape="0">
+              <a:srgbClr val="000000">
+                <a:alpha val="43000"/>
+              </a:srgbClr>
+            </a:outerShdw>
+          </a:effectLst>
+        </p:spPr>
+      </p:pic>
+      <p:pic>
+        <p:nvPicPr>
+          <p:cNvPr id="10" name="Picture 9"/>
+          <p:cNvPicPr>
+            <a:picLocks noChangeAspect="1"/>
+          </p:cNvPicPr>
+          <p:nvPr/>
+        </p:nvPicPr>
+        <p:blipFill>
+          <a:blip r:embed="rId5">
+            <a:extLst>
+              <a:ext uri="{28A0092B-C50C-407E-A947-70E740481C1C}">
+                <a14:useLocalDpi xmlns:a14="http://schemas.microsoft.com/office/drawing/2010/main" val="0"/>
+              </a:ext>
+            </a:extLst>
+          </a:blip>
+          <a:stretch>
+            <a:fillRect/>
+          </a:stretch>
+        </p:blipFill>
+        <p:spPr>
+          <a:xfrm>
+            <a:off x="9363355" y="2574367"/>
+            <a:ext cx="2705000" cy="2504903"/>
+          </a:xfrm>
+          <a:prstGeom prst="rect">
+            <a:avLst/>
+          </a:prstGeom>
+          <a:ln w="38100" cap="sq">
+            <a:solidFill>
+              <a:srgbClr val="000000"/>
+            </a:solidFill>
+            <a:prstDash val="solid"/>
+            <a:miter lim="800000"/>
+          </a:ln>
+          <a:effectLst>
+            <a:outerShdw blurRad="50800" dist="38100" dir="2700000" algn="tl" rotWithShape="0">
+              <a:srgbClr val="000000">
+                <a:alpha val="43000"/>
+              </a:srgbClr>
+            </a:outerShdw>
+          </a:effectLst>
+        </p:spPr>
+      </p:pic>
+      <p:sp>
+        <p:nvSpPr>
+          <p:cNvPr id="11" name="Content Placeholder 2"/>
+          <p:cNvSpPr txBox="1">
+            <a:spLocks/>
+          </p:cNvSpPr>
+          <p:nvPr/>
+        </p:nvSpPr>
+        <p:spPr>
+          <a:xfrm>
+            <a:off x="5575736" y="5165861"/>
+            <a:ext cx="4396339" cy="826209"/>
           </a:xfrm>
           <a:prstGeom prst="rect">
             <a:avLst/>
           </a:prstGeom>
         </p:spPr>
-      </p:pic>
+        <p:txBody>
+          <a:bodyPr vert="horz" lIns="91440" tIns="45720" rIns="91440" bIns="45720" rtlCol="0">
+            <a:normAutofit/>
+          </a:bodyPr>
+          <a:lstStyle>
+            <a:lvl1pPr marL="342900" indent="-342900" algn="l" defTabSz="457200" rtl="0" eaLnBrk="1" latinLnBrk="0" hangingPunct="1">
+              <a:spcBef>
+                <a:spcPts val="1000"/>
+              </a:spcBef>
+              <a:spcAft>
+                <a:spcPts val="0"/>
+              </a:spcAft>
+              <a:buClr>
+                <a:schemeClr val="bg2">
+                  <a:lumMod val="40000"/>
+                  <a:lumOff val="60000"/>
+                </a:schemeClr>
+              </a:buClr>
+              <a:buSzPct val="80000"/>
+              <a:buFont typeface="Wingdings 3" charset="2"/>
+              <a:buChar char=""/>
+              <a:defRPr sz="1800" b="0" i="0" kern="1200">
+                <a:solidFill>
+                  <a:schemeClr val="tx1"/>
+                </a:solidFill>
+                <a:latin typeface="+mj-lt"/>
+                <a:ea typeface="+mj-ea"/>
+                <a:cs typeface="+mj-cs"/>
+              </a:defRPr>
+            </a:lvl1pPr>
+            <a:lvl2pPr marL="742950" indent="-285750" algn="l" defTabSz="457200" rtl="0" eaLnBrk="1" latinLnBrk="0" hangingPunct="1">
+              <a:spcBef>
+                <a:spcPts val="1000"/>
+              </a:spcBef>
+              <a:spcAft>
+                <a:spcPts val="0"/>
+              </a:spcAft>
+              <a:buClr>
+                <a:schemeClr val="bg2">
+                  <a:lumMod val="40000"/>
+                  <a:lumOff val="60000"/>
+                </a:schemeClr>
+              </a:buClr>
+              <a:buSzPct val="80000"/>
+              <a:buFont typeface="Wingdings 3" charset="2"/>
+              <a:buChar char=""/>
+              <a:defRPr sz="1600" b="0" i="0" kern="1200">
+                <a:solidFill>
+                  <a:schemeClr val="tx1"/>
+                </a:solidFill>
+                <a:latin typeface="+mj-lt"/>
+                <a:ea typeface="+mj-ea"/>
+                <a:cs typeface="+mj-cs"/>
+              </a:defRPr>
+            </a:lvl2pPr>
+            <a:lvl3pPr marL="1143000" indent="-228600" algn="l" defTabSz="457200" rtl="0" eaLnBrk="1" latinLnBrk="0" hangingPunct="1">
+              <a:spcBef>
+                <a:spcPts val="1000"/>
+              </a:spcBef>
+              <a:spcAft>
+                <a:spcPts val="0"/>
+              </a:spcAft>
+              <a:buClr>
+                <a:schemeClr val="bg2">
+                  <a:lumMod val="40000"/>
+                  <a:lumOff val="60000"/>
+                </a:schemeClr>
+              </a:buClr>
+              <a:buSzPct val="80000"/>
+              <a:buFont typeface="Wingdings 3" charset="2"/>
+              <a:buChar char=""/>
+              <a:defRPr sz="1400" b="0" i="0" kern="1200">
+                <a:solidFill>
+                  <a:schemeClr val="tx1"/>
+                </a:solidFill>
+                <a:latin typeface="+mj-lt"/>
+                <a:ea typeface="+mj-ea"/>
+                <a:cs typeface="+mj-cs"/>
+              </a:defRPr>
+            </a:lvl3pPr>
+            <a:lvl4pPr marL="1600200" indent="-228600" algn="l" defTabSz="457200" rtl="0" eaLnBrk="1" latinLnBrk="0" hangingPunct="1">
+              <a:spcBef>
+                <a:spcPts val="1000"/>
+              </a:spcBef>
+              <a:spcAft>
+                <a:spcPts val="0"/>
+              </a:spcAft>
+              <a:buClr>
+                <a:schemeClr val="bg2">
+                  <a:lumMod val="40000"/>
+                  <a:lumOff val="60000"/>
+                </a:schemeClr>
+              </a:buClr>
+              <a:buSzPct val="80000"/>
+              <a:buFont typeface="Wingdings 3" charset="2"/>
+              <a:buChar char=""/>
+              <a:defRPr sz="1200" b="0" i="0" kern="1200">
+                <a:solidFill>
+                  <a:schemeClr val="tx1"/>
+                </a:solidFill>
+                <a:latin typeface="+mj-lt"/>
+                <a:ea typeface="+mj-ea"/>
+                <a:cs typeface="+mj-cs"/>
+              </a:defRPr>
+            </a:lvl4pPr>
+            <a:lvl5pPr marL="2057400" indent="-228600" algn="l" defTabSz="457200" rtl="0" eaLnBrk="1" latinLnBrk="0" hangingPunct="1">
+              <a:spcBef>
+                <a:spcPts val="1000"/>
+              </a:spcBef>
+              <a:spcAft>
+                <a:spcPts val="0"/>
+              </a:spcAft>
+              <a:buClr>
+                <a:schemeClr val="bg2">
+                  <a:lumMod val="40000"/>
+                  <a:lumOff val="60000"/>
+                </a:schemeClr>
+              </a:buClr>
+              <a:buSzPct val="80000"/>
+              <a:buFont typeface="Wingdings 3" charset="2"/>
+              <a:buChar char=""/>
+              <a:defRPr sz="1200" b="0" i="0" kern="1200">
+                <a:solidFill>
+                  <a:schemeClr val="tx1"/>
+                </a:solidFill>
+                <a:latin typeface="+mj-lt"/>
+                <a:ea typeface="+mj-ea"/>
+                <a:cs typeface="+mj-cs"/>
+              </a:defRPr>
+            </a:lvl5pPr>
+            <a:lvl6pPr marL="2506000" indent="-228600" algn="l" defTabSz="457200" rtl="0" eaLnBrk="1" latinLnBrk="0" hangingPunct="1">
+              <a:spcBef>
+                <a:spcPts val="1000"/>
+              </a:spcBef>
+              <a:spcAft>
+                <a:spcPts val="0"/>
+              </a:spcAft>
+              <a:buClr>
+                <a:schemeClr val="bg2">
+                  <a:lumMod val="40000"/>
+                  <a:lumOff val="60000"/>
+                </a:schemeClr>
+              </a:buClr>
+              <a:buSzPct val="80000"/>
+              <a:buFont typeface="Wingdings 3" charset="2"/>
+              <a:buChar char=""/>
+              <a:defRPr sz="1200" b="0" i="0" kern="1200">
+                <a:solidFill>
+                  <a:schemeClr val="tx1"/>
+                </a:solidFill>
+                <a:latin typeface="+mj-lt"/>
+                <a:ea typeface="+mj-ea"/>
+                <a:cs typeface="+mj-cs"/>
+              </a:defRPr>
+            </a:lvl6pPr>
+            <a:lvl7pPr marL="2971800" indent="-228600" algn="l" defTabSz="457200" rtl="0" eaLnBrk="1" latinLnBrk="0" hangingPunct="1">
+              <a:spcBef>
+                <a:spcPts val="1000"/>
+              </a:spcBef>
+              <a:spcAft>
+                <a:spcPts val="0"/>
+              </a:spcAft>
+              <a:buClr>
+                <a:schemeClr val="bg2">
+                  <a:lumMod val="40000"/>
+                  <a:lumOff val="60000"/>
+                </a:schemeClr>
+              </a:buClr>
+              <a:buSzPct val="80000"/>
+              <a:buFont typeface="Wingdings 3" charset="2"/>
+              <a:buChar char=""/>
+              <a:defRPr sz="1200" b="0" i="0" kern="1200">
+                <a:solidFill>
+                  <a:schemeClr val="tx1"/>
+                </a:solidFill>
+                <a:latin typeface="+mj-lt"/>
+                <a:ea typeface="+mj-ea"/>
+                <a:cs typeface="+mj-cs"/>
+              </a:defRPr>
+            </a:lvl7pPr>
+            <a:lvl8pPr marL="3429000" indent="-228600" algn="l" defTabSz="457200" rtl="0" eaLnBrk="1" latinLnBrk="0" hangingPunct="1">
+              <a:spcBef>
+                <a:spcPts val="1000"/>
+              </a:spcBef>
+              <a:spcAft>
+                <a:spcPts val="0"/>
+              </a:spcAft>
+              <a:buClr>
+                <a:schemeClr val="bg2">
+                  <a:lumMod val="40000"/>
+                  <a:lumOff val="60000"/>
+                </a:schemeClr>
+              </a:buClr>
+              <a:buSzPct val="80000"/>
+              <a:buFont typeface="Wingdings 3" charset="2"/>
+              <a:buChar char=""/>
+              <a:defRPr sz="1200" b="0" i="0" kern="1200">
+                <a:solidFill>
+                  <a:schemeClr val="tx1"/>
+                </a:solidFill>
+                <a:latin typeface="+mj-lt"/>
+                <a:ea typeface="+mj-ea"/>
+                <a:cs typeface="+mj-cs"/>
+              </a:defRPr>
+            </a:lvl8pPr>
+            <a:lvl9pPr marL="3886200" indent="-228600" algn="l" defTabSz="457200" rtl="0" eaLnBrk="1" latinLnBrk="0" hangingPunct="1">
+              <a:spcBef>
+                <a:spcPts val="1000"/>
+              </a:spcBef>
+              <a:spcAft>
+                <a:spcPts val="0"/>
+              </a:spcAft>
+              <a:buClr>
+                <a:schemeClr val="bg2">
+                  <a:lumMod val="40000"/>
+                  <a:lumOff val="60000"/>
+                </a:schemeClr>
+              </a:buClr>
+              <a:buSzPct val="80000"/>
+              <a:buFont typeface="Wingdings 3" charset="2"/>
+              <a:buChar char=""/>
+              <a:defRPr sz="1200" b="0" i="0" kern="1200">
+                <a:solidFill>
+                  <a:schemeClr val="tx1"/>
+                </a:solidFill>
+                <a:latin typeface="+mj-lt"/>
+                <a:ea typeface="+mj-ea"/>
+                <a:cs typeface="+mj-cs"/>
+              </a:defRPr>
+            </a:lvl9pPr>
+          </a:lstStyle>
+          <a:p>
+            <a:pPr marL="0" indent="0" algn="ctr">
+              <a:buFont typeface="Wingdings 3" charset="2"/>
+              <a:buNone/>
+            </a:pPr>
+            <a:r>
+              <a:rPr lang="en-US" sz="3000" dirty="0" smtClean="0">
+                <a:latin typeface="Agency FB" panose="020B0503020202020204" pitchFamily="34" charset="0"/>
+              </a:rPr>
+              <a:t>Martin Kurshumov</a:t>
+            </a:r>
+            <a:endParaRPr lang="en-US" sz="3000" dirty="0">
+              <a:latin typeface="Agency FB" panose="020B0503020202020204" pitchFamily="34" charset="0"/>
+            </a:endParaRPr>
+          </a:p>
+        </p:txBody>
+      </p:sp>
+      <p:sp>
+        <p:nvSpPr>
+          <p:cNvPr id="12" name="Content Placeholder 2"/>
+          <p:cNvSpPr txBox="1">
+            <a:spLocks/>
+          </p:cNvSpPr>
+          <p:nvPr/>
+        </p:nvSpPr>
+        <p:spPr>
+          <a:xfrm>
+            <a:off x="8517685" y="5161321"/>
+            <a:ext cx="4396339" cy="826209"/>
+          </a:xfrm>
+          <a:prstGeom prst="rect">
+            <a:avLst/>
+          </a:prstGeom>
+        </p:spPr>
+        <p:txBody>
+          <a:bodyPr vert="horz" lIns="91440" tIns="45720" rIns="91440" bIns="45720" rtlCol="0">
+            <a:normAutofit/>
+          </a:bodyPr>
+          <a:lstStyle>
+            <a:lvl1pPr marL="342900" indent="-342900" algn="l" defTabSz="457200" rtl="0" eaLnBrk="1" latinLnBrk="0" hangingPunct="1">
+              <a:spcBef>
+                <a:spcPts val="1000"/>
+              </a:spcBef>
+              <a:spcAft>
+                <a:spcPts val="0"/>
+              </a:spcAft>
+              <a:buClr>
+                <a:schemeClr val="bg2">
+                  <a:lumMod val="40000"/>
+                  <a:lumOff val="60000"/>
+                </a:schemeClr>
+              </a:buClr>
+              <a:buSzPct val="80000"/>
+              <a:buFont typeface="Wingdings 3" charset="2"/>
+              <a:buChar char=""/>
+              <a:defRPr sz="1800" b="0" i="0" kern="1200">
+                <a:solidFill>
+                  <a:schemeClr val="tx1"/>
+                </a:solidFill>
+                <a:latin typeface="+mj-lt"/>
+                <a:ea typeface="+mj-ea"/>
+                <a:cs typeface="+mj-cs"/>
+              </a:defRPr>
+            </a:lvl1pPr>
+            <a:lvl2pPr marL="742950" indent="-285750" algn="l" defTabSz="457200" rtl="0" eaLnBrk="1" latinLnBrk="0" hangingPunct="1">
+              <a:spcBef>
+                <a:spcPts val="1000"/>
+              </a:spcBef>
+              <a:spcAft>
+                <a:spcPts val="0"/>
+              </a:spcAft>
+              <a:buClr>
+                <a:schemeClr val="bg2">
+                  <a:lumMod val="40000"/>
+                  <a:lumOff val="60000"/>
+                </a:schemeClr>
+              </a:buClr>
+              <a:buSzPct val="80000"/>
+              <a:buFont typeface="Wingdings 3" charset="2"/>
+              <a:buChar char=""/>
+              <a:defRPr sz="1600" b="0" i="0" kern="1200">
+                <a:solidFill>
+                  <a:schemeClr val="tx1"/>
+                </a:solidFill>
+                <a:latin typeface="+mj-lt"/>
+                <a:ea typeface="+mj-ea"/>
+                <a:cs typeface="+mj-cs"/>
+              </a:defRPr>
+            </a:lvl2pPr>
+            <a:lvl3pPr marL="1143000" indent="-228600" algn="l" defTabSz="457200" rtl="0" eaLnBrk="1" latinLnBrk="0" hangingPunct="1">
+              <a:spcBef>
+                <a:spcPts val="1000"/>
+              </a:spcBef>
+              <a:spcAft>
+                <a:spcPts val="0"/>
+              </a:spcAft>
+              <a:buClr>
+                <a:schemeClr val="bg2">
+                  <a:lumMod val="40000"/>
+                  <a:lumOff val="60000"/>
+                </a:schemeClr>
+              </a:buClr>
+              <a:buSzPct val="80000"/>
+              <a:buFont typeface="Wingdings 3" charset="2"/>
+              <a:buChar char=""/>
+              <a:defRPr sz="1400" b="0" i="0" kern="1200">
+                <a:solidFill>
+                  <a:schemeClr val="tx1"/>
+                </a:solidFill>
+                <a:latin typeface="+mj-lt"/>
+                <a:ea typeface="+mj-ea"/>
+                <a:cs typeface="+mj-cs"/>
+              </a:defRPr>
+            </a:lvl3pPr>
+            <a:lvl4pPr marL="1600200" indent="-228600" algn="l" defTabSz="457200" rtl="0" eaLnBrk="1" latinLnBrk="0" hangingPunct="1">
+              <a:spcBef>
+                <a:spcPts val="1000"/>
+              </a:spcBef>
+              <a:spcAft>
+                <a:spcPts val="0"/>
+              </a:spcAft>
+              <a:buClr>
+                <a:schemeClr val="bg2">
+                  <a:lumMod val="40000"/>
+                  <a:lumOff val="60000"/>
+                </a:schemeClr>
+              </a:buClr>
+              <a:buSzPct val="80000"/>
+              <a:buFont typeface="Wingdings 3" charset="2"/>
+              <a:buChar char=""/>
+              <a:defRPr sz="1200" b="0" i="0" kern="1200">
+                <a:solidFill>
+                  <a:schemeClr val="tx1"/>
+                </a:solidFill>
+                <a:latin typeface="+mj-lt"/>
+                <a:ea typeface="+mj-ea"/>
+                <a:cs typeface="+mj-cs"/>
+              </a:defRPr>
+            </a:lvl4pPr>
+            <a:lvl5pPr marL="2057400" indent="-228600" algn="l" defTabSz="457200" rtl="0" eaLnBrk="1" latinLnBrk="0" hangingPunct="1">
+              <a:spcBef>
+                <a:spcPts val="1000"/>
+              </a:spcBef>
+              <a:spcAft>
+                <a:spcPts val="0"/>
+              </a:spcAft>
+              <a:buClr>
+                <a:schemeClr val="bg2">
+                  <a:lumMod val="40000"/>
+                  <a:lumOff val="60000"/>
+                </a:schemeClr>
+              </a:buClr>
+              <a:buSzPct val="80000"/>
+              <a:buFont typeface="Wingdings 3" charset="2"/>
+              <a:buChar char=""/>
+              <a:defRPr sz="1200" b="0" i="0" kern="1200">
+                <a:solidFill>
+                  <a:schemeClr val="tx1"/>
+                </a:solidFill>
+                <a:latin typeface="+mj-lt"/>
+                <a:ea typeface="+mj-ea"/>
+                <a:cs typeface="+mj-cs"/>
+              </a:defRPr>
+            </a:lvl5pPr>
+            <a:lvl6pPr marL="2506000" indent="-228600" algn="l" defTabSz="457200" rtl="0" eaLnBrk="1" latinLnBrk="0" hangingPunct="1">
+              <a:spcBef>
+                <a:spcPts val="1000"/>
+              </a:spcBef>
+              <a:spcAft>
+                <a:spcPts val="0"/>
+              </a:spcAft>
+              <a:buClr>
+                <a:schemeClr val="bg2">
+                  <a:lumMod val="40000"/>
+                  <a:lumOff val="60000"/>
+                </a:schemeClr>
+              </a:buClr>
+              <a:buSzPct val="80000"/>
+              <a:buFont typeface="Wingdings 3" charset="2"/>
+              <a:buChar char=""/>
+              <a:defRPr sz="1200" b="0" i="0" kern="1200">
+                <a:solidFill>
+                  <a:schemeClr val="tx1"/>
+                </a:solidFill>
+                <a:latin typeface="+mj-lt"/>
+                <a:ea typeface="+mj-ea"/>
+                <a:cs typeface="+mj-cs"/>
+              </a:defRPr>
+            </a:lvl6pPr>
+            <a:lvl7pPr marL="2971800" indent="-228600" algn="l" defTabSz="457200" rtl="0" eaLnBrk="1" latinLnBrk="0" hangingPunct="1">
+              <a:spcBef>
+                <a:spcPts val="1000"/>
+              </a:spcBef>
+              <a:spcAft>
+                <a:spcPts val="0"/>
+              </a:spcAft>
+              <a:buClr>
+                <a:schemeClr val="bg2">
+                  <a:lumMod val="40000"/>
+                  <a:lumOff val="60000"/>
+                </a:schemeClr>
+              </a:buClr>
+              <a:buSzPct val="80000"/>
+              <a:buFont typeface="Wingdings 3" charset="2"/>
+              <a:buChar char=""/>
+              <a:defRPr sz="1200" b="0" i="0" kern="1200">
+                <a:solidFill>
+                  <a:schemeClr val="tx1"/>
+                </a:solidFill>
+                <a:latin typeface="+mj-lt"/>
+                <a:ea typeface="+mj-ea"/>
+                <a:cs typeface="+mj-cs"/>
+              </a:defRPr>
+            </a:lvl7pPr>
+            <a:lvl8pPr marL="3429000" indent="-228600" algn="l" defTabSz="457200" rtl="0" eaLnBrk="1" latinLnBrk="0" hangingPunct="1">
+              <a:spcBef>
+                <a:spcPts val="1000"/>
+              </a:spcBef>
+              <a:spcAft>
+                <a:spcPts val="0"/>
+              </a:spcAft>
+              <a:buClr>
+                <a:schemeClr val="bg2">
+                  <a:lumMod val="40000"/>
+                  <a:lumOff val="60000"/>
+                </a:schemeClr>
+              </a:buClr>
+              <a:buSzPct val="80000"/>
+              <a:buFont typeface="Wingdings 3" charset="2"/>
+              <a:buChar char=""/>
+              <a:defRPr sz="1200" b="0" i="0" kern="1200">
+                <a:solidFill>
+                  <a:schemeClr val="tx1"/>
+                </a:solidFill>
+                <a:latin typeface="+mj-lt"/>
+                <a:ea typeface="+mj-ea"/>
+                <a:cs typeface="+mj-cs"/>
+              </a:defRPr>
+            </a:lvl8pPr>
+            <a:lvl9pPr marL="3886200" indent="-228600" algn="l" defTabSz="457200" rtl="0" eaLnBrk="1" latinLnBrk="0" hangingPunct="1">
+              <a:spcBef>
+                <a:spcPts val="1000"/>
+              </a:spcBef>
+              <a:spcAft>
+                <a:spcPts val="0"/>
+              </a:spcAft>
+              <a:buClr>
+                <a:schemeClr val="bg2">
+                  <a:lumMod val="40000"/>
+                  <a:lumOff val="60000"/>
+                </a:schemeClr>
+              </a:buClr>
+              <a:buSzPct val="80000"/>
+              <a:buFont typeface="Wingdings 3" charset="2"/>
+              <a:buChar char=""/>
+              <a:defRPr sz="1200" b="0" i="0" kern="1200">
+                <a:solidFill>
+                  <a:schemeClr val="tx1"/>
+                </a:solidFill>
+                <a:latin typeface="+mj-lt"/>
+                <a:ea typeface="+mj-ea"/>
+                <a:cs typeface="+mj-cs"/>
+              </a:defRPr>
+            </a:lvl9pPr>
+          </a:lstStyle>
+          <a:p>
+            <a:pPr marL="0" indent="0" algn="ctr">
+              <a:buFont typeface="Wingdings 3" charset="2"/>
+              <a:buNone/>
+            </a:pPr>
+            <a:r>
+              <a:rPr lang="en-US" sz="3000" dirty="0" err="1" smtClean="0">
+                <a:latin typeface="Agency FB" panose="020B0503020202020204" pitchFamily="34" charset="0"/>
+              </a:rPr>
+              <a:t>Kaloyan</a:t>
+            </a:r>
+            <a:r>
+              <a:rPr lang="en-US" sz="3000" dirty="0" smtClean="0">
+                <a:latin typeface="Agency FB" panose="020B0503020202020204" pitchFamily="34" charset="0"/>
+              </a:rPr>
+              <a:t> </a:t>
+            </a:r>
+            <a:r>
+              <a:rPr lang="en-US" sz="3000" dirty="0" err="1" smtClean="0">
+                <a:latin typeface="Agency FB" panose="020B0503020202020204" pitchFamily="34" charset="0"/>
+              </a:rPr>
+              <a:t>Botev</a:t>
+            </a:r>
+            <a:endParaRPr lang="en-US" sz="3000" dirty="0">
+              <a:latin typeface="Agency FB" panose="020B0503020202020204" pitchFamily="34" charset="0"/>
+            </a:endParaRPr>
+          </a:p>
+        </p:txBody>
+      </p:sp>
     </p:spTree>
     <p:extLst>
       <p:ext uri="{BB962C8B-B14F-4D97-AF65-F5344CB8AC3E}">

--- a/NakovitzaPresentation.pptx
+++ b/NakovitzaPresentation.pptx
@@ -4,16 +4,20 @@
   <p:sldMasterIdLst>
     <p:sldMasterId id="2147484259" r:id="rId1"/>
   </p:sldMasterIdLst>
+  <p:notesMasterIdLst>
+    <p:notesMasterId r:id="rId12"/>
+  </p:notesMasterIdLst>
   <p:sldIdLst>
     <p:sldId id="256" r:id="rId2"/>
     <p:sldId id="257" r:id="rId3"/>
-    <p:sldId id="259" r:id="rId4"/>
-    <p:sldId id="261" r:id="rId5"/>
-    <p:sldId id="265" r:id="rId6"/>
-    <p:sldId id="266" r:id="rId7"/>
-    <p:sldId id="262" r:id="rId8"/>
-    <p:sldId id="263" r:id="rId9"/>
-    <p:sldId id="269" r:id="rId10"/>
+    <p:sldId id="270" r:id="rId4"/>
+    <p:sldId id="259" r:id="rId5"/>
+    <p:sldId id="261" r:id="rId6"/>
+    <p:sldId id="265" r:id="rId7"/>
+    <p:sldId id="266" r:id="rId8"/>
+    <p:sldId id="262" r:id="rId9"/>
+    <p:sldId id="263" r:id="rId10"/>
+    <p:sldId id="269" r:id="rId11"/>
   </p:sldIdLst>
   <p:sldSz cx="12192000" cy="6858000"/>
   <p:notesSz cx="6858000" cy="9144000"/>
@@ -120,6 +124,440 @@
 </p:presentation>
 </file>
 
+<file path=ppt/notesMasters/notesMaster1.xml><?xml version="1.0" encoding="utf-8"?>
+<p:notesMaster xmlns:a="http://schemas.openxmlformats.org/drawingml/2006/main" xmlns:r="http://schemas.openxmlformats.org/officeDocument/2006/relationships" xmlns:p="http://schemas.openxmlformats.org/presentationml/2006/main">
+  <p:cSld>
+    <p:bg>
+      <p:bgRef idx="1001">
+        <a:schemeClr val="bg1"/>
+      </p:bgRef>
+    </p:bg>
+    <p:spTree>
+      <p:nvGrpSpPr>
+        <p:cNvPr id="1" name=""/>
+        <p:cNvGrpSpPr/>
+        <p:nvPr/>
+      </p:nvGrpSpPr>
+      <p:grpSpPr>
+        <a:xfrm>
+          <a:off x="0" y="0"/>
+          <a:ext cx="0" cy="0"/>
+          <a:chOff x="0" y="0"/>
+          <a:chExt cx="0" cy="0"/>
+        </a:xfrm>
+      </p:grpSpPr>
+      <p:sp>
+        <p:nvSpPr>
+          <p:cNvPr id="2" name="Header Placeholder 1"/>
+          <p:cNvSpPr>
+            <a:spLocks noGrp="1"/>
+          </p:cNvSpPr>
+          <p:nvPr>
+            <p:ph type="hdr" sz="quarter"/>
+          </p:nvPr>
+        </p:nvSpPr>
+        <p:spPr>
+          <a:xfrm>
+            <a:off x="0" y="0"/>
+            <a:ext cx="2971800" cy="458788"/>
+          </a:xfrm>
+          <a:prstGeom prst="rect">
+            <a:avLst/>
+          </a:prstGeom>
+        </p:spPr>
+        <p:txBody>
+          <a:bodyPr vert="horz" lIns="91440" tIns="45720" rIns="91440" bIns="45720" rtlCol="0"/>
+          <a:lstStyle>
+            <a:lvl1pPr algn="l">
+              <a:defRPr sz="1200"/>
+            </a:lvl1pPr>
+          </a:lstStyle>
+          <a:p>
+            <a:endParaRPr lang="bg-BG"/>
+          </a:p>
+        </p:txBody>
+      </p:sp>
+      <p:sp>
+        <p:nvSpPr>
+          <p:cNvPr id="3" name="Date Placeholder 2"/>
+          <p:cNvSpPr>
+            <a:spLocks noGrp="1"/>
+          </p:cNvSpPr>
+          <p:nvPr>
+            <p:ph type="dt" idx="1"/>
+          </p:nvPr>
+        </p:nvSpPr>
+        <p:spPr>
+          <a:xfrm>
+            <a:off x="3884613" y="0"/>
+            <a:ext cx="2971800" cy="458788"/>
+          </a:xfrm>
+          <a:prstGeom prst="rect">
+            <a:avLst/>
+          </a:prstGeom>
+        </p:spPr>
+        <p:txBody>
+          <a:bodyPr vert="horz" lIns="91440" tIns="45720" rIns="91440" bIns="45720" rtlCol="0"/>
+          <a:lstStyle>
+            <a:lvl1pPr algn="r">
+              <a:defRPr sz="1200"/>
+            </a:lvl1pPr>
+          </a:lstStyle>
+          <a:p>
+            <a:fld id="{68EA10FE-8DA7-40ED-B261-88D7FAD6F7E9}" type="datetimeFigureOut">
+              <a:rPr lang="bg-BG" smtClean="0"/>
+              <a:t>20.11.2014 г.</a:t>
+            </a:fld>
+            <a:endParaRPr lang="bg-BG"/>
+          </a:p>
+        </p:txBody>
+      </p:sp>
+      <p:sp>
+        <p:nvSpPr>
+          <p:cNvPr id="4" name="Slide Image Placeholder 3"/>
+          <p:cNvSpPr>
+            <a:spLocks noGrp="1" noRot="1" noChangeAspect="1"/>
+          </p:cNvSpPr>
+          <p:nvPr>
+            <p:ph type="sldImg" idx="2"/>
+          </p:nvPr>
+        </p:nvSpPr>
+        <p:spPr>
+          <a:xfrm>
+            <a:off x="685800" y="1143000"/>
+            <a:ext cx="5486400" cy="3086100"/>
+          </a:xfrm>
+          <a:prstGeom prst="rect">
+            <a:avLst/>
+          </a:prstGeom>
+          <a:noFill/>
+          <a:ln w="12700">
+            <a:solidFill>
+              <a:prstClr val="black"/>
+            </a:solidFill>
+          </a:ln>
+        </p:spPr>
+        <p:txBody>
+          <a:bodyPr vert="horz" lIns="91440" tIns="45720" rIns="91440" bIns="45720" rtlCol="0" anchor="ctr"/>
+          <a:lstStyle/>
+          <a:p>
+            <a:endParaRPr lang="bg-BG"/>
+          </a:p>
+        </p:txBody>
+      </p:sp>
+      <p:sp>
+        <p:nvSpPr>
+          <p:cNvPr id="5" name="Notes Placeholder 4"/>
+          <p:cNvSpPr>
+            <a:spLocks noGrp="1"/>
+          </p:cNvSpPr>
+          <p:nvPr>
+            <p:ph type="body" sz="quarter" idx="3"/>
+          </p:nvPr>
+        </p:nvSpPr>
+        <p:spPr>
+          <a:xfrm>
+            <a:off x="685800" y="4400550"/>
+            <a:ext cx="5486400" cy="3600450"/>
+          </a:xfrm>
+          <a:prstGeom prst="rect">
+            <a:avLst/>
+          </a:prstGeom>
+        </p:spPr>
+        <p:txBody>
+          <a:bodyPr vert="horz" lIns="91440" tIns="45720" rIns="91440" bIns="45720" rtlCol="0"/>
+          <a:lstStyle/>
+          <a:p>
+            <a:pPr lvl="0"/>
+            <a:r>
+              <a:rPr lang="en-US" smtClean="0"/>
+              <a:t>Click to edit Master text styles</a:t>
+            </a:r>
+          </a:p>
+          <a:p>
+            <a:pPr lvl="1"/>
+            <a:r>
+              <a:rPr lang="en-US" smtClean="0"/>
+              <a:t>Second level</a:t>
+            </a:r>
+          </a:p>
+          <a:p>
+            <a:pPr lvl="2"/>
+            <a:r>
+              <a:rPr lang="en-US" smtClean="0"/>
+              <a:t>Third level</a:t>
+            </a:r>
+          </a:p>
+          <a:p>
+            <a:pPr lvl="3"/>
+            <a:r>
+              <a:rPr lang="en-US" smtClean="0"/>
+              <a:t>Fourth level</a:t>
+            </a:r>
+          </a:p>
+          <a:p>
+            <a:pPr lvl="4"/>
+            <a:r>
+              <a:rPr lang="en-US" smtClean="0"/>
+              <a:t>Fifth level</a:t>
+            </a:r>
+            <a:endParaRPr lang="bg-BG"/>
+          </a:p>
+        </p:txBody>
+      </p:sp>
+      <p:sp>
+        <p:nvSpPr>
+          <p:cNvPr id="6" name="Footer Placeholder 5"/>
+          <p:cNvSpPr>
+            <a:spLocks noGrp="1"/>
+          </p:cNvSpPr>
+          <p:nvPr>
+            <p:ph type="ftr" sz="quarter" idx="4"/>
+          </p:nvPr>
+        </p:nvSpPr>
+        <p:spPr>
+          <a:xfrm>
+            <a:off x="0" y="8685213"/>
+            <a:ext cx="2971800" cy="458787"/>
+          </a:xfrm>
+          <a:prstGeom prst="rect">
+            <a:avLst/>
+          </a:prstGeom>
+        </p:spPr>
+        <p:txBody>
+          <a:bodyPr vert="horz" lIns="91440" tIns="45720" rIns="91440" bIns="45720" rtlCol="0" anchor="b"/>
+          <a:lstStyle>
+            <a:lvl1pPr algn="l">
+              <a:defRPr sz="1200"/>
+            </a:lvl1pPr>
+          </a:lstStyle>
+          <a:p>
+            <a:endParaRPr lang="bg-BG"/>
+          </a:p>
+        </p:txBody>
+      </p:sp>
+      <p:sp>
+        <p:nvSpPr>
+          <p:cNvPr id="7" name="Slide Number Placeholder 6"/>
+          <p:cNvSpPr>
+            <a:spLocks noGrp="1"/>
+          </p:cNvSpPr>
+          <p:nvPr>
+            <p:ph type="sldNum" sz="quarter" idx="5"/>
+          </p:nvPr>
+        </p:nvSpPr>
+        <p:spPr>
+          <a:xfrm>
+            <a:off x="3884613" y="8685213"/>
+            <a:ext cx="2971800" cy="458787"/>
+          </a:xfrm>
+          <a:prstGeom prst="rect">
+            <a:avLst/>
+          </a:prstGeom>
+        </p:spPr>
+        <p:txBody>
+          <a:bodyPr vert="horz" lIns="91440" tIns="45720" rIns="91440" bIns="45720" rtlCol="0" anchor="b"/>
+          <a:lstStyle>
+            <a:lvl1pPr algn="r">
+              <a:defRPr sz="1200"/>
+            </a:lvl1pPr>
+          </a:lstStyle>
+          <a:p>
+            <a:fld id="{3C1FFA5A-64D9-4617-95F4-2E188614F64B}" type="slidenum">
+              <a:rPr lang="bg-BG" smtClean="0"/>
+              <a:t>‹#›</a:t>
+            </a:fld>
+            <a:endParaRPr lang="bg-BG"/>
+          </a:p>
+        </p:txBody>
+      </p:sp>
+    </p:spTree>
+    <p:extLst>
+      <p:ext uri="{BB962C8B-B14F-4D97-AF65-F5344CB8AC3E}">
+        <p14:creationId xmlns:p14="http://schemas.microsoft.com/office/powerpoint/2010/main" val="1949624622"/>
+      </p:ext>
+    </p:extLst>
+  </p:cSld>
+  <p:clrMap bg1="lt1" tx1="dk1" bg2="lt2" tx2="dk2" accent1="accent1" accent2="accent2" accent3="accent3" accent4="accent4" accent5="accent5" accent6="accent6" hlink="hlink" folHlink="folHlink"/>
+  <p:notesStyle>
+    <a:lvl1pPr marL="0" algn="l" defTabSz="914400" rtl="0" eaLnBrk="1" latinLnBrk="0" hangingPunct="1">
+      <a:defRPr sz="1200" kern="1200">
+        <a:solidFill>
+          <a:schemeClr val="tx1"/>
+        </a:solidFill>
+        <a:latin typeface="+mn-lt"/>
+        <a:ea typeface="+mn-ea"/>
+        <a:cs typeface="+mn-cs"/>
+      </a:defRPr>
+    </a:lvl1pPr>
+    <a:lvl2pPr marL="457200" algn="l" defTabSz="914400" rtl="0" eaLnBrk="1" latinLnBrk="0" hangingPunct="1">
+      <a:defRPr sz="1200" kern="1200">
+        <a:solidFill>
+          <a:schemeClr val="tx1"/>
+        </a:solidFill>
+        <a:latin typeface="+mn-lt"/>
+        <a:ea typeface="+mn-ea"/>
+        <a:cs typeface="+mn-cs"/>
+      </a:defRPr>
+    </a:lvl2pPr>
+    <a:lvl3pPr marL="914400" algn="l" defTabSz="914400" rtl="0" eaLnBrk="1" latinLnBrk="0" hangingPunct="1">
+      <a:defRPr sz="1200" kern="1200">
+        <a:solidFill>
+          <a:schemeClr val="tx1"/>
+        </a:solidFill>
+        <a:latin typeface="+mn-lt"/>
+        <a:ea typeface="+mn-ea"/>
+        <a:cs typeface="+mn-cs"/>
+      </a:defRPr>
+    </a:lvl3pPr>
+    <a:lvl4pPr marL="1371600" algn="l" defTabSz="914400" rtl="0" eaLnBrk="1" latinLnBrk="0" hangingPunct="1">
+      <a:defRPr sz="1200" kern="1200">
+        <a:solidFill>
+          <a:schemeClr val="tx1"/>
+        </a:solidFill>
+        <a:latin typeface="+mn-lt"/>
+        <a:ea typeface="+mn-ea"/>
+        <a:cs typeface="+mn-cs"/>
+      </a:defRPr>
+    </a:lvl4pPr>
+    <a:lvl5pPr marL="1828800" algn="l" defTabSz="914400" rtl="0" eaLnBrk="1" latinLnBrk="0" hangingPunct="1">
+      <a:defRPr sz="1200" kern="1200">
+        <a:solidFill>
+          <a:schemeClr val="tx1"/>
+        </a:solidFill>
+        <a:latin typeface="+mn-lt"/>
+        <a:ea typeface="+mn-ea"/>
+        <a:cs typeface="+mn-cs"/>
+      </a:defRPr>
+    </a:lvl5pPr>
+    <a:lvl6pPr marL="2286000" algn="l" defTabSz="914400" rtl="0" eaLnBrk="1" latinLnBrk="0" hangingPunct="1">
+      <a:defRPr sz="1200" kern="1200">
+        <a:solidFill>
+          <a:schemeClr val="tx1"/>
+        </a:solidFill>
+        <a:latin typeface="+mn-lt"/>
+        <a:ea typeface="+mn-ea"/>
+        <a:cs typeface="+mn-cs"/>
+      </a:defRPr>
+    </a:lvl6pPr>
+    <a:lvl7pPr marL="2743200" algn="l" defTabSz="914400" rtl="0" eaLnBrk="1" latinLnBrk="0" hangingPunct="1">
+      <a:defRPr sz="1200" kern="1200">
+        <a:solidFill>
+          <a:schemeClr val="tx1"/>
+        </a:solidFill>
+        <a:latin typeface="+mn-lt"/>
+        <a:ea typeface="+mn-ea"/>
+        <a:cs typeface="+mn-cs"/>
+      </a:defRPr>
+    </a:lvl7pPr>
+    <a:lvl8pPr marL="3200400" algn="l" defTabSz="914400" rtl="0" eaLnBrk="1" latinLnBrk="0" hangingPunct="1">
+      <a:defRPr sz="1200" kern="1200">
+        <a:solidFill>
+          <a:schemeClr val="tx1"/>
+        </a:solidFill>
+        <a:latin typeface="+mn-lt"/>
+        <a:ea typeface="+mn-ea"/>
+        <a:cs typeface="+mn-cs"/>
+      </a:defRPr>
+    </a:lvl8pPr>
+    <a:lvl9pPr marL="3657600" algn="l" defTabSz="914400" rtl="0" eaLnBrk="1" latinLnBrk="0" hangingPunct="1">
+      <a:defRPr sz="1200" kern="1200">
+        <a:solidFill>
+          <a:schemeClr val="tx1"/>
+        </a:solidFill>
+        <a:latin typeface="+mn-lt"/>
+        <a:ea typeface="+mn-ea"/>
+        <a:cs typeface="+mn-cs"/>
+      </a:defRPr>
+    </a:lvl9pPr>
+  </p:notesStyle>
+</p:notesMaster>
+</file>
+
+<file path=ppt/notesSlides/notesSlide1.xml><?xml version="1.0" encoding="utf-8"?>
+<p:notes xmlns:a="http://schemas.openxmlformats.org/drawingml/2006/main" xmlns:r="http://schemas.openxmlformats.org/officeDocument/2006/relationships" xmlns:p="http://schemas.openxmlformats.org/presentationml/2006/main">
+  <p:cSld>
+    <p:spTree>
+      <p:nvGrpSpPr>
+        <p:cNvPr id="1" name=""/>
+        <p:cNvGrpSpPr/>
+        <p:nvPr/>
+      </p:nvGrpSpPr>
+      <p:grpSpPr>
+        <a:xfrm>
+          <a:off x="0" y="0"/>
+          <a:ext cx="0" cy="0"/>
+          <a:chOff x="0" y="0"/>
+          <a:chExt cx="0" cy="0"/>
+        </a:xfrm>
+      </p:grpSpPr>
+      <p:sp>
+        <p:nvSpPr>
+          <p:cNvPr id="2" name="Slide Image Placeholder 1"/>
+          <p:cNvSpPr>
+            <a:spLocks noGrp="1" noRot="1" noChangeAspect="1"/>
+          </p:cNvSpPr>
+          <p:nvPr>
+            <p:ph type="sldImg"/>
+          </p:nvPr>
+        </p:nvSpPr>
+        <p:spPr/>
+      </p:sp>
+      <p:sp>
+        <p:nvSpPr>
+          <p:cNvPr id="3" name="Notes Placeholder 2"/>
+          <p:cNvSpPr>
+            <a:spLocks noGrp="1"/>
+          </p:cNvSpPr>
+          <p:nvPr>
+            <p:ph type="body" idx="1"/>
+          </p:nvPr>
+        </p:nvSpPr>
+        <p:spPr/>
+        <p:txBody>
+          <a:bodyPr/>
+          <a:lstStyle/>
+          <a:p>
+            <a:endParaRPr lang="bg-BG" dirty="0"/>
+          </a:p>
+        </p:txBody>
+      </p:sp>
+      <p:sp>
+        <p:nvSpPr>
+          <p:cNvPr id="4" name="Slide Number Placeholder 3"/>
+          <p:cNvSpPr>
+            <a:spLocks noGrp="1"/>
+          </p:cNvSpPr>
+          <p:nvPr>
+            <p:ph type="sldNum" sz="quarter" idx="10"/>
+          </p:nvPr>
+        </p:nvSpPr>
+        <p:spPr/>
+        <p:txBody>
+          <a:bodyPr/>
+          <a:lstStyle/>
+          <a:p>
+            <a:fld id="{3C1FFA5A-64D9-4617-95F4-2E188614F64B}" type="slidenum">
+              <a:rPr lang="bg-BG" smtClean="0"/>
+              <a:t>5</a:t>
+            </a:fld>
+            <a:endParaRPr lang="bg-BG"/>
+          </a:p>
+        </p:txBody>
+      </p:sp>
+    </p:spTree>
+    <p:extLst>
+      <p:ext uri="{BB962C8B-B14F-4D97-AF65-F5344CB8AC3E}">
+        <p14:creationId xmlns:p14="http://schemas.microsoft.com/office/powerpoint/2010/main" val="32002772"/>
+      </p:ext>
+    </p:extLst>
+  </p:cSld>
+  <p:clrMapOvr>
+    <a:masterClrMapping/>
+  </p:clrMapOvr>
+</p:notes>
+</file>
+
 <file path=ppt/slideLayouts/slideLayout1.xml><?xml version="1.0" encoding="utf-8"?>
 <p:sldLayout xmlns:a="http://schemas.openxmlformats.org/drawingml/2006/main" xmlns:r="http://schemas.openxmlformats.org/officeDocument/2006/relationships" xmlns:p="http://schemas.openxmlformats.org/presentationml/2006/main" type="title" preserve="1">
   <p:cSld name="Title Slide">
@@ -307,7 +745,7 @@
             <a:fld id="{5923F103-BC34-4FE4-A40E-EDDEECFDA5D0}" type="datetimeFigureOut">
               <a:rPr lang="en-US" smtClean="0"/>
               <a:pPr/>
-              <a:t>11/19/2014</a:t>
+              <a:t>11/20/2014</a:t>
             </a:fld>
             <a:endParaRPr lang="en-US" dirty="0"/>
           </a:p>
@@ -588,7 +1026,7 @@
           <a:p>
             <a:fld id="{2BE451C3-0FF4-47C4-B829-773ADF60F88C}" type="datetimeFigureOut">
               <a:rPr lang="en-US" smtClean="0"/>
-              <a:t>11/19/2014</a:t>
+              <a:t>11/20/2014</a:t>
             </a:fld>
             <a:endParaRPr lang="en-US" dirty="0"/>
           </a:p>
@@ -789,7 +1227,7 @@
           <a:p>
             <a:fld id="{2BE451C3-0FF4-47C4-B829-773ADF60F88C}" type="datetimeFigureOut">
               <a:rPr lang="en-US" smtClean="0"/>
-              <a:t>11/19/2014</a:t>
+              <a:t>11/20/2014</a:t>
             </a:fld>
             <a:endParaRPr lang="en-US" dirty="0"/>
           </a:p>
@@ -1069,7 +1507,7 @@
           <a:p>
             <a:fld id="{2BE451C3-0FF4-47C4-B829-773ADF60F88C}" type="datetimeFigureOut">
               <a:rPr lang="en-US" smtClean="0"/>
-              <a:t>11/19/2014</a:t>
+              <a:t>11/20/2014</a:t>
             </a:fld>
             <a:endParaRPr lang="en-US" dirty="0"/>
           </a:p>
@@ -1417,7 +1855,7 @@
           <a:p>
             <a:fld id="{2BE451C3-0FF4-47C4-B829-773ADF60F88C}" type="datetimeFigureOut">
               <a:rPr lang="en-US" smtClean="0"/>
-              <a:t>11/19/2014</a:t>
+              <a:t>11/20/2014</a:t>
             </a:fld>
             <a:endParaRPr lang="en-US" dirty="0"/>
           </a:p>
@@ -2047,7 +2485,7 @@
           <a:p>
             <a:fld id="{2BE451C3-0FF4-47C4-B829-773ADF60F88C}" type="datetimeFigureOut">
               <a:rPr lang="en-US" smtClean="0"/>
-              <a:t>11/19/2014</a:t>
+              <a:t>11/20/2014</a:t>
             </a:fld>
             <a:endParaRPr lang="en-US" dirty="0"/>
           </a:p>
@@ -2914,7 +3352,7 @@
           <a:p>
             <a:fld id="{2BE451C3-0FF4-47C4-B829-773ADF60F88C}" type="datetimeFigureOut">
               <a:rPr lang="en-US" smtClean="0"/>
-              <a:t>11/19/2014</a:t>
+              <a:t>11/20/2014</a:t>
             </a:fld>
             <a:endParaRPr lang="en-US" dirty="0"/>
           </a:p>
@@ -3091,7 +3529,7 @@
           <a:p>
             <a:fld id="{53086D93-FCAC-47E0-A2EE-787E62CA814C}" type="datetimeFigureOut">
               <a:rPr lang="en-US" smtClean="0"/>
-              <a:t>11/19/2014</a:t>
+              <a:t>11/20/2014</a:t>
             </a:fld>
             <a:endParaRPr lang="en-US" dirty="0"/>
           </a:p>
@@ -3277,7 +3715,7 @@
           <a:p>
             <a:fld id="{CDA879A6-0FD0-4734-A311-86BFCA472E6E}" type="datetimeFigureOut">
               <a:rPr lang="en-US" smtClean="0"/>
-              <a:t>11/19/2014</a:t>
+              <a:t>11/20/2014</a:t>
             </a:fld>
             <a:endParaRPr lang="en-US" dirty="0"/>
           </a:p>
@@ -3453,7 +3891,7 @@
           <a:p>
             <a:fld id="{19C9CA7B-DFD4-44B5-8C60-D14B8CD1FB59}" type="datetimeFigureOut">
               <a:rPr lang="en-US" smtClean="0"/>
-              <a:t>11/19/2014</a:t>
+              <a:t>11/20/2014</a:t>
             </a:fld>
             <a:endParaRPr lang="en-US" dirty="0"/>
           </a:p>
@@ -3706,7 +4144,7 @@
           <a:p>
             <a:fld id="{F34E6425-0181-43F2-84FC-787E803FD2F8}" type="datetimeFigureOut">
               <a:rPr lang="en-US" smtClean="0"/>
-              <a:t>11/19/2014</a:t>
+              <a:t>11/20/2014</a:t>
             </a:fld>
             <a:endParaRPr lang="en-US" dirty="0"/>
           </a:p>
@@ -4004,7 +4442,7 @@
           <a:p>
             <a:fld id="{3BDB8791-F1B0-41E7-B7FD-A781E65C4266}" type="datetimeFigureOut">
               <a:rPr lang="en-US" smtClean="0"/>
-              <a:t>11/19/2014</a:t>
+              <a:t>11/20/2014</a:t>
             </a:fld>
             <a:endParaRPr lang="en-US" dirty="0"/>
           </a:p>
@@ -4454,7 +4892,7 @@
           <a:p>
             <a:fld id="{5FDD63B2-E120-4ED8-B27B-C685F510A5FE}" type="datetimeFigureOut">
               <a:rPr lang="en-US" smtClean="0"/>
-              <a:t>11/19/2014</a:t>
+              <a:t>11/20/2014</a:t>
             </a:fld>
             <a:endParaRPr lang="en-US" dirty="0"/>
           </a:p>
@@ -4578,7 +5016,7 @@
           <a:p>
             <a:fld id="{7AA18ACC-A947-437B-A130-35BD54FDF1E9}" type="datetimeFigureOut">
               <a:rPr lang="en-US" smtClean="0"/>
-              <a:t>11/19/2014</a:t>
+              <a:t>11/20/2014</a:t>
             </a:fld>
             <a:endParaRPr lang="en-US" dirty="0"/>
           </a:p>
@@ -4679,7 +5117,7 @@
           <a:p>
             <a:fld id="{7C8D7E02-BCB8-4D50-A234-369438C08659}" type="datetimeFigureOut">
               <a:rPr lang="en-US" smtClean="0"/>
-              <a:t>11/19/2014</a:t>
+              <a:t>11/20/2014</a:t>
             </a:fld>
             <a:endParaRPr lang="en-US" dirty="0"/>
           </a:p>
@@ -4964,7 +5402,7 @@
           <a:p>
             <a:fld id="{76E86A4C-8E40-4F87-A4F0-01A0687C5742}" type="datetimeFigureOut">
               <a:rPr lang="en-US" smtClean="0"/>
-              <a:t>11/19/2014</a:t>
+              <a:t>11/20/2014</a:t>
             </a:fld>
             <a:endParaRPr lang="en-US" dirty="0"/>
           </a:p>
@@ -5245,7 +5683,7 @@
           <a:p>
             <a:fld id="{35E72C73-2D91-4E12-BA25-F0AA0C03599B}" type="datetimeFigureOut">
               <a:rPr lang="en-US" smtClean="0"/>
-              <a:t>11/19/2014</a:t>
+              <a:t>11/20/2014</a:t>
             </a:fld>
             <a:endParaRPr lang="en-US" dirty="0"/>
           </a:p>
@@ -5680,7 +6118,7 @@
           <a:p>
             <a:fld id="{2BE451C3-0FF4-47C4-B829-773ADF60F88C}" type="datetimeFigureOut">
               <a:rPr lang="en-US" smtClean="0"/>
-              <a:t>11/19/2014</a:t>
+              <a:t>11/20/2014</a:t>
             </a:fld>
             <a:endParaRPr lang="en-US" dirty="0"/>
           </a:p>
@@ -6545,917 +6983,7 @@
 </p:sld>
 </file>
 
-<file path=ppt/slides/slide2.xml><?xml version="1.0" encoding="utf-8"?>
-<p:sld xmlns:a="http://schemas.openxmlformats.org/drawingml/2006/main" xmlns:r="http://schemas.openxmlformats.org/officeDocument/2006/relationships" xmlns:p="http://schemas.openxmlformats.org/presentationml/2006/main" showMasterSp="0">
-  <p:cSld>
-    <p:bg>
-      <p:bgPr>
-        <a:blipFill dpi="0" rotWithShape="1">
-          <a:blip r:embed="rId2">
-            <a:lum/>
-          </a:blip>
-          <a:srcRect/>
-          <a:stretch>
-            <a:fillRect l="-2000" r="-2000"/>
-          </a:stretch>
-        </a:blipFill>
-        <a:effectLst/>
-      </p:bgPr>
-    </p:bg>
-    <p:spTree>
-      <p:nvGrpSpPr>
-        <p:cNvPr id="1" name=""/>
-        <p:cNvGrpSpPr/>
-        <p:nvPr/>
-      </p:nvGrpSpPr>
-      <p:grpSpPr>
-        <a:xfrm>
-          <a:off x="0" y="0"/>
-          <a:ext cx="0" cy="0"/>
-          <a:chOff x="0" y="0"/>
-          <a:chExt cx="0" cy="0"/>
-        </a:xfrm>
-      </p:grpSpPr>
-      <p:pic>
-        <p:nvPicPr>
-          <p:cNvPr id="4" name="Content Placeholder 3"/>
-          <p:cNvPicPr>
-            <a:picLocks noGrp="1" noChangeAspect="1"/>
-          </p:cNvPicPr>
-          <p:nvPr>
-            <p:ph idx="1"/>
-          </p:nvPr>
-        </p:nvPicPr>
-        <p:blipFill>
-          <a:blip r:embed="rId3">
-            <a:extLst>
-              <a:ext uri="{28A0092B-C50C-407E-A947-70E740481C1C}">
-                <a14:useLocalDpi xmlns:a14="http://schemas.microsoft.com/office/drawing/2010/main" val="0"/>
-              </a:ext>
-            </a:extLst>
-          </a:blip>
-          <a:stretch>
-            <a:fillRect/>
-          </a:stretch>
-        </p:blipFill>
-        <p:spPr>
-          <a:xfrm>
-            <a:off x="407964" y="126609"/>
-            <a:ext cx="6577618" cy="2450335"/>
-          </a:xfrm>
-        </p:spPr>
-      </p:pic>
-      <p:pic>
-        <p:nvPicPr>
-          <p:cNvPr id="7" name="Picture 6"/>
-          <p:cNvPicPr>
-            <a:picLocks noChangeAspect="1"/>
-          </p:cNvPicPr>
-          <p:nvPr/>
-        </p:nvPicPr>
-        <p:blipFill>
-          <a:blip r:embed="rId4">
-            <a:extLst>
-              <a:ext uri="{28A0092B-C50C-407E-A947-70E740481C1C}">
-                <a14:useLocalDpi xmlns:a14="http://schemas.microsoft.com/office/drawing/2010/main" val="0"/>
-              </a:ext>
-            </a:extLst>
-          </a:blip>
-          <a:stretch>
-            <a:fillRect/>
-          </a:stretch>
-        </p:blipFill>
-        <p:spPr>
-          <a:xfrm>
-            <a:off x="1878668" y="1900620"/>
-            <a:ext cx="4184508" cy="4431659"/>
-          </a:xfrm>
-          <a:prstGeom prst="rect">
-            <a:avLst/>
-          </a:prstGeom>
-        </p:spPr>
-      </p:pic>
-    </p:spTree>
-    <p:extLst>
-      <p:ext uri="{BB962C8B-B14F-4D97-AF65-F5344CB8AC3E}">
-        <p14:creationId xmlns:p14="http://schemas.microsoft.com/office/powerpoint/2010/main" val="3039525689"/>
-      </p:ext>
-    </p:extLst>
-  </p:cSld>
-  <p:clrMapOvr>
-    <a:masterClrMapping/>
-  </p:clrMapOvr>
-  <p:timing>
-    <p:tnLst>
-      <p:par>
-        <p:cTn id="1" dur="indefinite" restart="never" nodeType="tmRoot"/>
-      </p:par>
-    </p:tnLst>
-  </p:timing>
-</p:sld>
-</file>
-
-<file path=ppt/slides/slide3.xml><?xml version="1.0" encoding="utf-8"?>
-<p:sld xmlns:a="http://schemas.openxmlformats.org/drawingml/2006/main" xmlns:r="http://schemas.openxmlformats.org/officeDocument/2006/relationships" xmlns:p="http://schemas.openxmlformats.org/presentationml/2006/main" showMasterSp="0">
-  <p:cSld>
-    <p:spTree>
-      <p:nvGrpSpPr>
-        <p:cNvPr id="1" name=""/>
-        <p:cNvGrpSpPr/>
-        <p:nvPr/>
-      </p:nvGrpSpPr>
-      <p:grpSpPr>
-        <a:xfrm>
-          <a:off x="0" y="0"/>
-          <a:ext cx="0" cy="0"/>
-          <a:chOff x="0" y="0"/>
-          <a:chExt cx="0" cy="0"/>
-        </a:xfrm>
-      </p:grpSpPr>
-      <p:sp>
-        <p:nvSpPr>
-          <p:cNvPr id="2" name="Title 1"/>
-          <p:cNvSpPr>
-            <a:spLocks noGrp="1"/>
-          </p:cNvSpPr>
-          <p:nvPr>
-            <p:ph type="title"/>
-          </p:nvPr>
-        </p:nvSpPr>
-        <p:spPr>
-          <a:xfrm>
-            <a:off x="787792" y="1631851"/>
-            <a:ext cx="10719580" cy="4065563"/>
-          </a:xfrm>
-        </p:spPr>
-        <p:txBody>
-          <a:bodyPr/>
-          <a:lstStyle/>
-          <a:p>
-            <a:pPr algn="ctr"/>
-            <a:r>
-              <a:rPr lang="bg-BG" sz="5000" b="1" dirty="0" smtClean="0">
-                <a:solidFill>
-                  <a:schemeClr val="tx1"/>
-                </a:solidFill>
-              </a:rPr>
-              <a:t>Тествайте възможностите си и</a:t>
-            </a:r>
-            <a:br>
-              <a:rPr lang="bg-BG" sz="5000" b="1" dirty="0" smtClean="0">
-                <a:solidFill>
-                  <a:schemeClr val="tx1"/>
-                </a:solidFill>
-              </a:rPr>
-            </a:br>
-            <a:r>
-              <a:rPr lang="bg-BG" sz="5000" b="1" dirty="0" smtClean="0">
-                <a:solidFill>
-                  <a:schemeClr val="tx1"/>
-                </a:solidFill>
-              </a:rPr>
-              <a:t>вижте колко можете да накарате Наков да изпие, преди да припадне!</a:t>
-            </a:r>
-            <a:br>
-              <a:rPr lang="bg-BG" sz="5000" b="1" dirty="0" smtClean="0">
-                <a:solidFill>
-                  <a:schemeClr val="tx1"/>
-                </a:solidFill>
-              </a:rPr>
-            </a:br>
-            <a:r>
-              <a:rPr lang="bg-BG" sz="5000" b="1" dirty="0" smtClean="0">
-                <a:solidFill>
-                  <a:schemeClr val="tx1"/>
-                </a:solidFill>
-              </a:rPr>
-              <a:t/>
-            </a:r>
-            <a:br>
-              <a:rPr lang="bg-BG" sz="5000" b="1" dirty="0" smtClean="0">
-                <a:solidFill>
-                  <a:schemeClr val="tx1"/>
-                </a:solidFill>
-              </a:rPr>
-            </a:br>
-            <a:r>
-              <a:rPr lang="bg-BG" sz="5000" b="1" dirty="0" smtClean="0">
-                <a:solidFill>
-                  <a:schemeClr val="tx1"/>
-                </a:solidFill>
-              </a:rPr>
-              <a:t/>
-            </a:r>
-            <a:br>
-              <a:rPr lang="bg-BG" sz="5000" b="1" dirty="0" smtClean="0">
-                <a:solidFill>
-                  <a:schemeClr val="tx1"/>
-                </a:solidFill>
-              </a:rPr>
-            </a:br>
-            <a:r>
-              <a:rPr lang="bg-BG" sz="5000" b="1" dirty="0"/>
-              <a:t/>
-            </a:r>
-            <a:br>
-              <a:rPr lang="bg-BG" sz="5000" b="1" dirty="0"/>
-            </a:br>
-            <a:endParaRPr lang="en-US" sz="5000" b="1" dirty="0"/>
-          </a:p>
-        </p:txBody>
-      </p:sp>
-    </p:spTree>
-    <p:extLst>
-      <p:ext uri="{BB962C8B-B14F-4D97-AF65-F5344CB8AC3E}">
-        <p14:creationId xmlns:p14="http://schemas.microsoft.com/office/powerpoint/2010/main" val="3541993266"/>
-      </p:ext>
-    </p:extLst>
-  </p:cSld>
-  <p:clrMapOvr>
-    <a:masterClrMapping/>
-  </p:clrMapOvr>
-  <p:timing>
-    <p:tnLst>
-      <p:par>
-        <p:cTn id="1" dur="indefinite" restart="never" nodeType="tmRoot"/>
-      </p:par>
-    </p:tnLst>
-  </p:timing>
-</p:sld>
-</file>
-
-<file path=ppt/slides/slide4.xml><?xml version="1.0" encoding="utf-8"?>
-<p:sld xmlns:a="http://schemas.openxmlformats.org/drawingml/2006/main" xmlns:r="http://schemas.openxmlformats.org/officeDocument/2006/relationships" xmlns:p="http://schemas.openxmlformats.org/presentationml/2006/main" showMasterSp="0">
-  <p:cSld>
-    <p:bg>
-      <p:bgPr>
-        <a:blipFill dpi="0" rotWithShape="1">
-          <a:blip r:embed="rId2">
-            <a:lum/>
-          </a:blip>
-          <a:srcRect/>
-          <a:stretch>
-            <a:fillRect l="-8000" r="-8000"/>
-          </a:stretch>
-        </a:blipFill>
-        <a:effectLst/>
-      </p:bgPr>
-    </p:bg>
-    <p:spTree>
-      <p:nvGrpSpPr>
-        <p:cNvPr id="1" name=""/>
-        <p:cNvGrpSpPr/>
-        <p:nvPr/>
-      </p:nvGrpSpPr>
-      <p:grpSpPr>
-        <a:xfrm>
-          <a:off x="0" y="0"/>
-          <a:ext cx="0" cy="0"/>
-          <a:chOff x="0" y="0"/>
-          <a:chExt cx="0" cy="0"/>
-        </a:xfrm>
-      </p:grpSpPr>
-      <p:pic>
-        <p:nvPicPr>
-          <p:cNvPr id="6" name="Picture 5"/>
-          <p:cNvPicPr>
-            <a:picLocks noChangeAspect="1"/>
-          </p:cNvPicPr>
-          <p:nvPr/>
-        </p:nvPicPr>
-        <p:blipFill>
-          <a:blip r:embed="rId2">
-            <a:extLst>
-              <a:ext uri="{28A0092B-C50C-407E-A947-70E740481C1C}">
-                <a14:useLocalDpi xmlns:a14="http://schemas.microsoft.com/office/drawing/2010/main" val="0"/>
-              </a:ext>
-            </a:extLst>
-          </a:blip>
-          <a:stretch>
-            <a:fillRect/>
-          </a:stretch>
-        </p:blipFill>
-        <p:spPr>
-          <a:xfrm>
-            <a:off x="0" y="-112542"/>
-            <a:ext cx="12192000" cy="6858000"/>
-          </a:xfrm>
-          <a:prstGeom prst="rect">
-            <a:avLst/>
-          </a:prstGeom>
-        </p:spPr>
-      </p:pic>
-    </p:spTree>
-    <p:extLst>
-      <p:ext uri="{BB962C8B-B14F-4D97-AF65-F5344CB8AC3E}">
-        <p14:creationId xmlns:p14="http://schemas.microsoft.com/office/powerpoint/2010/main" val="989798522"/>
-      </p:ext>
-    </p:extLst>
-  </p:cSld>
-  <p:clrMapOvr>
-    <a:masterClrMapping/>
-  </p:clrMapOvr>
-  <p:timing>
-    <p:tnLst>
-      <p:par>
-        <p:cTn id="1" dur="indefinite" restart="never" nodeType="tmRoot"/>
-      </p:par>
-    </p:tnLst>
-  </p:timing>
-</p:sld>
-</file>
-
-<file path=ppt/slides/slide5.xml><?xml version="1.0" encoding="utf-8"?>
-<p:sld xmlns:a="http://schemas.openxmlformats.org/drawingml/2006/main" xmlns:r="http://schemas.openxmlformats.org/officeDocument/2006/relationships" xmlns:p="http://schemas.openxmlformats.org/presentationml/2006/main" showMasterSp="0">
-  <p:cSld>
-    <p:spTree>
-      <p:nvGrpSpPr>
-        <p:cNvPr id="1" name=""/>
-        <p:cNvGrpSpPr/>
-        <p:nvPr/>
-      </p:nvGrpSpPr>
-      <p:grpSpPr>
-        <a:xfrm>
-          <a:off x="0" y="0"/>
-          <a:ext cx="0" cy="0"/>
-          <a:chOff x="0" y="0"/>
-          <a:chExt cx="0" cy="0"/>
-        </a:xfrm>
-      </p:grpSpPr>
-      <p:sp useBgFill="1">
-        <p:nvSpPr>
-          <p:cNvPr id="2" name="Title 1"/>
-          <p:cNvSpPr>
-            <a:spLocks noGrp="1"/>
-          </p:cNvSpPr>
-          <p:nvPr>
-            <p:ph type="title"/>
-          </p:nvPr>
-        </p:nvSpPr>
-        <p:spPr>
-          <a:xfrm>
-            <a:off x="1254511" y="565259"/>
-            <a:ext cx="9404723" cy="1400530"/>
-          </a:xfrm>
-        </p:spPr>
-        <p:txBody>
-          <a:bodyPr/>
-          <a:lstStyle/>
-          <a:p>
-            <a:pPr algn="ctr"/>
-            <a:r>
-              <a:rPr lang="bg-BG" sz="6500" i="1" dirty="0" smtClean="0">
-                <a:latin typeface="Arial Black" panose="020B0A04020102020204" pitchFamily="34" charset="0"/>
-              </a:rPr>
-              <a:t>Контроли:</a:t>
-            </a:r>
-            <a:endParaRPr lang="en-US" sz="6500" i="1" dirty="0">
-              <a:latin typeface="Arial Black" panose="020B0A04020102020204" pitchFamily="34" charset="0"/>
-            </a:endParaRPr>
-          </a:p>
-        </p:txBody>
-      </p:sp>
-      <p:pic>
-        <p:nvPicPr>
-          <p:cNvPr id="6" name="Content Placeholder 5"/>
-          <p:cNvPicPr>
-            <a:picLocks noGrp="1" noChangeAspect="1"/>
-          </p:cNvPicPr>
-          <p:nvPr>
-            <p:ph idx="1"/>
-          </p:nvPr>
-        </p:nvPicPr>
-        <p:blipFill>
-          <a:blip r:embed="rId2">
-            <a:extLst>
-              <a:ext uri="{28A0092B-C50C-407E-A947-70E740481C1C}">
-                <a14:useLocalDpi xmlns:a14="http://schemas.microsoft.com/office/drawing/2010/main" val="0"/>
-              </a:ext>
-            </a:extLst>
-          </a:blip>
-          <a:stretch>
-            <a:fillRect/>
-          </a:stretch>
-        </p:blipFill>
-        <p:spPr>
-          <a:xfrm>
-            <a:off x="2138289" y="1965789"/>
-            <a:ext cx="8117057" cy="3970777"/>
-          </a:xfrm>
-          <a:prstGeom prst="rect">
-            <a:avLst/>
-          </a:prstGeom>
-          <a:ln w="38100" cap="sq">
-            <a:solidFill>
-              <a:srgbClr val="000000"/>
-            </a:solidFill>
-            <a:prstDash val="solid"/>
-            <a:miter lim="800000"/>
-          </a:ln>
-          <a:effectLst>
-            <a:outerShdw blurRad="50800" dist="38100" dir="2700000" algn="tl" rotWithShape="0">
-              <a:srgbClr val="000000">
-                <a:alpha val="43000"/>
-              </a:srgbClr>
-            </a:outerShdw>
-          </a:effectLst>
-        </p:spPr>
-      </p:pic>
-    </p:spTree>
-    <p:extLst>
-      <p:ext uri="{BB962C8B-B14F-4D97-AF65-F5344CB8AC3E}">
-        <p14:creationId xmlns:p14="http://schemas.microsoft.com/office/powerpoint/2010/main" val="2026885553"/>
-      </p:ext>
-    </p:extLst>
-  </p:cSld>
-  <p:clrMapOvr>
-    <a:masterClrMapping/>
-  </p:clrMapOvr>
-  <p:timing>
-    <p:tnLst>
-      <p:par>
-        <p:cTn id="1" dur="indefinite" restart="never" nodeType="tmRoot"/>
-      </p:par>
-    </p:tnLst>
-  </p:timing>
-</p:sld>
-</file>
-
-<file path=ppt/slides/slide6.xml><?xml version="1.0" encoding="utf-8"?>
-<p:sld xmlns:a="http://schemas.openxmlformats.org/drawingml/2006/main" xmlns:r="http://schemas.openxmlformats.org/officeDocument/2006/relationships" xmlns:p="http://schemas.openxmlformats.org/presentationml/2006/main" showMasterSp="0">
-  <p:cSld>
-    <p:spTree>
-      <p:nvGrpSpPr>
-        <p:cNvPr id="1" name=""/>
-        <p:cNvGrpSpPr/>
-        <p:nvPr/>
-      </p:nvGrpSpPr>
-      <p:grpSpPr>
-        <a:xfrm>
-          <a:off x="0" y="0"/>
-          <a:ext cx="0" cy="0"/>
-          <a:chOff x="0" y="0"/>
-          <a:chExt cx="0" cy="0"/>
-        </a:xfrm>
-      </p:grpSpPr>
-      <p:sp>
-        <p:nvSpPr>
-          <p:cNvPr id="2" name="Title 1"/>
-          <p:cNvSpPr>
-            <a:spLocks noGrp="1"/>
-          </p:cNvSpPr>
-          <p:nvPr>
-            <p:ph type="title"/>
-          </p:nvPr>
-        </p:nvSpPr>
-        <p:spPr>
-          <a:xfrm>
-            <a:off x="1476105" y="396447"/>
-            <a:ext cx="9404723" cy="1400530"/>
-          </a:xfrm>
-        </p:spPr>
-        <p:txBody>
-          <a:bodyPr/>
-          <a:lstStyle/>
-          <a:p>
-            <a:pPr algn="ctr"/>
-            <a:r>
-              <a:rPr lang="bg-BG" sz="5500" b="1" dirty="0" smtClean="0">
-                <a:latin typeface="Arial Black" panose="020B0A04020102020204" pitchFamily="34" charset="0"/>
-              </a:rPr>
-              <a:t>Цел и правила:</a:t>
-            </a:r>
-            <a:endParaRPr lang="en-US" sz="5500" b="1" dirty="0">
-              <a:latin typeface="Arial Black" panose="020B0A04020102020204" pitchFamily="34" charset="0"/>
-            </a:endParaRPr>
-          </a:p>
-        </p:txBody>
-      </p:sp>
-      <p:sp>
-        <p:nvSpPr>
-          <p:cNvPr id="3" name="Content Placeholder 2"/>
-          <p:cNvSpPr>
-            <a:spLocks noGrp="1"/>
-          </p:cNvSpPr>
-          <p:nvPr>
-            <p:ph idx="1"/>
-          </p:nvPr>
-        </p:nvSpPr>
-        <p:spPr>
-          <a:xfrm>
-            <a:off x="1705195" y="2010715"/>
-            <a:ext cx="8946541" cy="4195481"/>
-          </a:xfrm>
-        </p:spPr>
-        <p:txBody>
-          <a:bodyPr>
-            <a:normAutofit lnSpcReduction="10000"/>
-          </a:bodyPr>
-          <a:lstStyle/>
-          <a:p>
-            <a:pPr marL="0" indent="0" algn="ctr">
-              <a:buNone/>
-            </a:pPr>
-            <a:r>
-              <a:rPr lang="bg-BG" sz="4500" i="1" dirty="0"/>
-              <a:t>В играта „</a:t>
-            </a:r>
-            <a:r>
-              <a:rPr lang="en-US" sz="4500" i="1" dirty="0" err="1"/>
-              <a:t>Nakovitza</a:t>
-            </a:r>
-            <a:r>
-              <a:rPr lang="en-US" sz="4500" i="1" dirty="0"/>
-              <a:t>” </a:t>
-            </a:r>
-            <a:r>
-              <a:rPr lang="bg-BG" sz="4500" i="1" dirty="0"/>
-              <a:t> ще се превъплътите в главния герой Наков. Целта на играта е да събирате алкохолни питиета, които с</a:t>
-            </a:r>
-            <a:r>
-              <a:rPr lang="en-US" sz="4500" i="1" dirty="0"/>
-              <a:t>a</a:t>
-            </a:r>
-            <a:r>
-              <a:rPr lang="bg-BG" sz="4500" i="1" dirty="0"/>
-              <a:t> разпръснати по екрана</a:t>
-            </a:r>
-            <a:r>
-              <a:rPr lang="bg-BG" dirty="0"/>
-              <a:t>.</a:t>
-            </a:r>
-            <a:endParaRPr lang="en-US" dirty="0"/>
-          </a:p>
-          <a:p>
-            <a:pPr marL="0" indent="0">
-              <a:buNone/>
-            </a:pPr>
-            <a:endParaRPr lang="en-US" dirty="0"/>
-          </a:p>
-        </p:txBody>
-      </p:sp>
-    </p:spTree>
-    <p:extLst>
-      <p:ext uri="{BB962C8B-B14F-4D97-AF65-F5344CB8AC3E}">
-        <p14:creationId xmlns:p14="http://schemas.microsoft.com/office/powerpoint/2010/main" val="2458427043"/>
-      </p:ext>
-    </p:extLst>
-  </p:cSld>
-  <p:clrMapOvr>
-    <a:masterClrMapping/>
-  </p:clrMapOvr>
-  <p:timing>
-    <p:tnLst>
-      <p:par>
-        <p:cTn id="1" dur="indefinite" restart="never" nodeType="tmRoot"/>
-      </p:par>
-    </p:tnLst>
-  </p:timing>
-</p:sld>
-</file>
-
-<file path=ppt/slides/slide7.xml><?xml version="1.0" encoding="utf-8"?>
-<p:sld xmlns:a="http://schemas.openxmlformats.org/drawingml/2006/main" xmlns:r="http://schemas.openxmlformats.org/officeDocument/2006/relationships" xmlns:p="http://schemas.openxmlformats.org/presentationml/2006/main" showMasterSp="0">
-  <p:cSld>
-    <p:spTree>
-      <p:nvGrpSpPr>
-        <p:cNvPr id="1" name=""/>
-        <p:cNvGrpSpPr/>
-        <p:nvPr/>
-      </p:nvGrpSpPr>
-      <p:grpSpPr>
-        <a:xfrm>
-          <a:off x="0" y="0"/>
-          <a:ext cx="0" cy="0"/>
-          <a:chOff x="0" y="0"/>
-          <a:chExt cx="0" cy="0"/>
-        </a:xfrm>
-      </p:grpSpPr>
-      <p:sp>
-        <p:nvSpPr>
-          <p:cNvPr id="3" name="Content Placeholder 2"/>
-          <p:cNvSpPr>
-            <a:spLocks noGrp="1"/>
-          </p:cNvSpPr>
-          <p:nvPr>
-            <p:ph idx="1"/>
-          </p:nvPr>
-        </p:nvSpPr>
-        <p:spPr>
-          <a:xfrm>
-            <a:off x="966159" y="707365"/>
-            <a:ext cx="10351698" cy="5611371"/>
-          </a:xfrm>
-        </p:spPr>
-        <p:txBody>
-          <a:bodyPr>
-            <a:normAutofit fontScale="92500" lnSpcReduction="10000"/>
-          </a:bodyPr>
-          <a:lstStyle/>
-          <a:p>
-            <a:pPr marL="0" indent="0">
-              <a:buNone/>
-            </a:pPr>
-            <a:r>
-              <a:rPr lang="bg-BG" sz="4000" dirty="0" smtClean="0"/>
-              <a:t>Колкото повече „бири“  (			</a:t>
-            </a:r>
-            <a:r>
-              <a:rPr lang="bg-BG" sz="4000" dirty="0" smtClean="0"/>
-              <a:t> )</a:t>
-            </a:r>
-            <a:endParaRPr lang="bg-BG" sz="4000" dirty="0" smtClean="0"/>
-          </a:p>
-          <a:p>
-            <a:pPr marL="0" indent="0">
-              <a:buNone/>
-            </a:pPr>
-            <a:r>
-              <a:rPr lang="bg-BG" sz="4000" dirty="0" smtClean="0"/>
-              <a:t>изпивате толкова </a:t>
-            </a:r>
-            <a:r>
-              <a:rPr lang="bg-BG" sz="4000" dirty="0"/>
-              <a:t>по-бавен и труден за управление става Наков</a:t>
-            </a:r>
-            <a:r>
-              <a:rPr lang="bg-BG" sz="4000" dirty="0" smtClean="0"/>
-              <a:t>.</a:t>
-            </a:r>
-            <a:endParaRPr lang="en-US" sz="4000" dirty="0" smtClean="0"/>
-          </a:p>
-          <a:p>
-            <a:pPr marL="0" indent="0">
-              <a:buNone/>
-            </a:pPr>
-            <a:r>
-              <a:rPr lang="bg-BG" sz="4000" dirty="0" smtClean="0"/>
-              <a:t>След изпити 30 бири, контролите наляво и надясно се разменят.</a:t>
-            </a:r>
-            <a:endParaRPr lang="bg-BG" sz="4000" dirty="0"/>
-          </a:p>
-          <a:p>
-            <a:pPr marL="0" indent="0">
-              <a:buNone/>
-            </a:pPr>
-            <a:endParaRPr lang="bg-BG" sz="4000" dirty="0"/>
-          </a:p>
-          <a:p>
-            <a:pPr marL="0" indent="0">
-              <a:buNone/>
-            </a:pPr>
-            <a:r>
-              <a:rPr lang="bg-BG" sz="3800" dirty="0" smtClean="0"/>
-              <a:t>Бонус бутилките „ ракия“ (		 </a:t>
-            </a:r>
-            <a:r>
-              <a:rPr lang="bg-BG" sz="3800" dirty="0" smtClean="0"/>
-              <a:t> ) </a:t>
-            </a:r>
-            <a:r>
-              <a:rPr lang="bg-BG" sz="3800" dirty="0" smtClean="0"/>
-              <a:t>излизат през определен период  и носят допълнително време, както и правят героя ви по-бърз.			</a:t>
-            </a:r>
-            <a:r>
-              <a:rPr lang="bg-BG" sz="4000" dirty="0" smtClean="0"/>
-              <a:t>	</a:t>
-            </a:r>
-          </a:p>
-          <a:p>
-            <a:pPr marL="0" indent="0" algn="ctr">
-              <a:buNone/>
-            </a:pPr>
-            <a:endParaRPr lang="bg-BG" sz="4000" dirty="0" smtClean="0"/>
-          </a:p>
-          <a:p>
-            <a:pPr marL="0" indent="0" algn="ctr">
-              <a:buNone/>
-            </a:pPr>
-            <a:endParaRPr lang="en-US" sz="4000" dirty="0"/>
-          </a:p>
-        </p:txBody>
-      </p:sp>
-      <p:pic>
-        <p:nvPicPr>
-          <p:cNvPr id="5" name="Picture 4"/>
-          <p:cNvPicPr>
-            <a:picLocks noChangeAspect="1"/>
-          </p:cNvPicPr>
-          <p:nvPr/>
-        </p:nvPicPr>
-        <p:blipFill>
-          <a:blip r:embed="rId2">
-            <a:extLst>
-              <a:ext uri="{28A0092B-C50C-407E-A947-70E740481C1C}">
-                <a14:useLocalDpi xmlns:a14="http://schemas.microsoft.com/office/drawing/2010/main" val="0"/>
-              </a:ext>
-            </a:extLst>
-          </a:blip>
-          <a:stretch>
-            <a:fillRect/>
-          </a:stretch>
-        </p:blipFill>
-        <p:spPr>
-          <a:xfrm>
-            <a:off x="6998070" y="3362581"/>
-            <a:ext cx="710576" cy="1443344"/>
-          </a:xfrm>
-          <a:prstGeom prst="rect">
-            <a:avLst/>
-          </a:prstGeom>
-        </p:spPr>
-      </p:pic>
-      <p:pic>
-        <p:nvPicPr>
-          <p:cNvPr id="2" name="Picture 1"/>
-          <p:cNvPicPr>
-            <a:picLocks noChangeAspect="1"/>
-          </p:cNvPicPr>
-          <p:nvPr/>
-        </p:nvPicPr>
-        <p:blipFill>
-          <a:blip r:embed="rId3">
-            <a:extLst>
-              <a:ext uri="{28A0092B-C50C-407E-A947-70E740481C1C}">
-                <a14:useLocalDpi xmlns:a14="http://schemas.microsoft.com/office/drawing/2010/main" val="0"/>
-              </a:ext>
-            </a:extLst>
-          </a:blip>
-          <a:stretch>
-            <a:fillRect/>
-          </a:stretch>
-        </p:blipFill>
-        <p:spPr>
-          <a:xfrm>
-            <a:off x="6998070" y="156364"/>
-            <a:ext cx="1102001" cy="1102001"/>
-          </a:xfrm>
-          <a:prstGeom prst="rect">
-            <a:avLst/>
-          </a:prstGeom>
-        </p:spPr>
-      </p:pic>
-    </p:spTree>
-    <p:extLst>
-      <p:ext uri="{BB962C8B-B14F-4D97-AF65-F5344CB8AC3E}">
-        <p14:creationId xmlns:p14="http://schemas.microsoft.com/office/powerpoint/2010/main" val="3156000592"/>
-      </p:ext>
-    </p:extLst>
-  </p:cSld>
-  <p:clrMapOvr>
-    <a:masterClrMapping/>
-  </p:clrMapOvr>
-  <p:timing>
-    <p:tnLst>
-      <p:par>
-        <p:cTn id="1" dur="indefinite" restart="never" nodeType="tmRoot"/>
-      </p:par>
-    </p:tnLst>
-  </p:timing>
-</p:sld>
-</file>
-
-<file path=ppt/slides/slide8.xml><?xml version="1.0" encoding="utf-8"?>
-<p:sld xmlns:a="http://schemas.openxmlformats.org/drawingml/2006/main" xmlns:r="http://schemas.openxmlformats.org/officeDocument/2006/relationships" xmlns:p="http://schemas.openxmlformats.org/presentationml/2006/main" showMasterSp="0">
-  <p:cSld>
-    <p:spTree>
-      <p:nvGrpSpPr>
-        <p:cNvPr id="1" name=""/>
-        <p:cNvGrpSpPr/>
-        <p:nvPr/>
-      </p:nvGrpSpPr>
-      <p:grpSpPr>
-        <a:xfrm>
-          <a:off x="0" y="0"/>
-          <a:ext cx="0" cy="0"/>
-          <a:chOff x="0" y="0"/>
-          <a:chExt cx="0" cy="0"/>
-        </a:xfrm>
-      </p:grpSpPr>
-      <p:sp>
-        <p:nvSpPr>
-          <p:cNvPr id="3" name="Content Placeholder 2"/>
-          <p:cNvSpPr>
-            <a:spLocks noGrp="1"/>
-          </p:cNvSpPr>
-          <p:nvPr>
-            <p:ph idx="1"/>
-          </p:nvPr>
-        </p:nvSpPr>
-        <p:spPr>
-          <a:xfrm>
-            <a:off x="1550450" y="1253356"/>
-            <a:ext cx="8946541" cy="4686886"/>
-          </a:xfrm>
-        </p:spPr>
-        <p:txBody>
-          <a:bodyPr/>
-          <a:lstStyle/>
-          <a:p>
-            <a:pPr marL="0" indent="0">
-              <a:buNone/>
-            </a:pPr>
-            <a:r>
-              <a:rPr lang="bg-BG" dirty="0" smtClean="0"/>
-              <a:t>		</a:t>
-            </a:r>
-            <a:r>
-              <a:rPr lang="en-US" sz="4000" dirty="0"/>
-              <a:t> </a:t>
-            </a:r>
-            <a:r>
-              <a:rPr lang="en-US" sz="4000" dirty="0" smtClean="0"/>
-              <a:t>”Drunk-O-Meter </a:t>
-            </a:r>
-            <a:r>
-              <a:rPr lang="en-US" sz="4000" dirty="0" smtClean="0"/>
-              <a:t>” (			</a:t>
-            </a:r>
-            <a:r>
-              <a:rPr lang="en-US" sz="4000" dirty="0"/>
-              <a:t> </a:t>
-            </a:r>
-            <a:r>
-              <a:rPr lang="en-US" sz="4000" dirty="0" smtClean="0"/>
-              <a:t>  </a:t>
-            </a:r>
-            <a:r>
-              <a:rPr lang="bg-BG" sz="4000" dirty="0" smtClean="0"/>
-              <a:t>) </a:t>
-            </a:r>
-            <a:endParaRPr lang="bg-BG" sz="4000" dirty="0" smtClean="0"/>
-          </a:p>
-          <a:p>
-            <a:pPr marL="0" indent="0">
-              <a:buNone/>
-            </a:pPr>
-            <a:r>
-              <a:rPr lang="bg-BG" sz="4000" dirty="0" smtClean="0"/>
-              <a:t>Това е индикаторът ,който отчита нивото на кръв в алкохола.</a:t>
-            </a:r>
-            <a:r>
-              <a:rPr lang="en-US" sz="4000" dirty="0" smtClean="0"/>
-              <a:t> </a:t>
-            </a:r>
-            <a:r>
-              <a:rPr lang="bg-BG" sz="4000" dirty="0" smtClean="0"/>
-              <a:t>Колкото по-надясно е стрелката, толкова по-трудно ще е да управлявате героя.</a:t>
-            </a:r>
-            <a:endParaRPr lang="en-US" sz="4000" dirty="0"/>
-          </a:p>
-        </p:txBody>
-      </p:sp>
-      <p:pic>
-        <p:nvPicPr>
-          <p:cNvPr id="4" name="Picture 3"/>
-          <p:cNvPicPr>
-            <a:picLocks noChangeAspect="1"/>
-          </p:cNvPicPr>
-          <p:nvPr/>
-        </p:nvPicPr>
-        <p:blipFill>
-          <a:blip r:embed="rId2">
-            <a:extLst>
-              <a:ext uri="{28A0092B-C50C-407E-A947-70E740481C1C}">
-                <a14:useLocalDpi xmlns:a14="http://schemas.microsoft.com/office/drawing/2010/main" val="0"/>
-              </a:ext>
-            </a:extLst>
-          </a:blip>
-          <a:stretch>
-            <a:fillRect/>
-          </a:stretch>
-        </p:blipFill>
-        <p:spPr>
-          <a:xfrm>
-            <a:off x="7336751" y="986070"/>
-            <a:ext cx="1523809" cy="1003175"/>
-          </a:xfrm>
-          <a:prstGeom prst="rect">
-            <a:avLst/>
-          </a:prstGeom>
-        </p:spPr>
-      </p:pic>
-    </p:spTree>
-    <p:extLst>
-      <p:ext uri="{BB962C8B-B14F-4D97-AF65-F5344CB8AC3E}">
-        <p14:creationId xmlns:p14="http://schemas.microsoft.com/office/powerpoint/2010/main" val="2061667444"/>
-      </p:ext>
-    </p:extLst>
-  </p:cSld>
-  <p:clrMapOvr>
-    <a:masterClrMapping/>
-  </p:clrMapOvr>
-  <p:timing>
-    <p:tnLst>
-      <p:par>
-        <p:cTn id="1" dur="indefinite" restart="never" nodeType="tmRoot"/>
-      </p:par>
-    </p:tnLst>
-  </p:timing>
-</p:sld>
-</file>
-
-<file path=ppt/slides/slide9.xml><?xml version="1.0" encoding="utf-8"?>
+<file path=ppt/slides/slide10.xml><?xml version="1.0" encoding="utf-8"?>
 <p:sld xmlns:a="http://schemas.openxmlformats.org/drawingml/2006/main" xmlns:r="http://schemas.openxmlformats.org/officeDocument/2006/relationships" xmlns:p="http://schemas.openxmlformats.org/presentationml/2006/main" showMasterSp="0">
   <p:cSld>
     <p:spTree>
@@ -8398,6 +7926,1211 @@
     <p:extLst>
       <p:ext uri="{BB962C8B-B14F-4D97-AF65-F5344CB8AC3E}">
         <p14:creationId xmlns:p14="http://schemas.microsoft.com/office/powerpoint/2010/main" val="2389202543"/>
+      </p:ext>
+    </p:extLst>
+  </p:cSld>
+  <p:clrMapOvr>
+    <a:masterClrMapping/>
+  </p:clrMapOvr>
+  <p:timing>
+    <p:tnLst>
+      <p:par>
+        <p:cTn id="1" dur="indefinite" restart="never" nodeType="tmRoot"/>
+      </p:par>
+    </p:tnLst>
+  </p:timing>
+</p:sld>
+</file>
+
+<file path=ppt/slides/slide2.xml><?xml version="1.0" encoding="utf-8"?>
+<p:sld xmlns:a="http://schemas.openxmlformats.org/drawingml/2006/main" xmlns:r="http://schemas.openxmlformats.org/officeDocument/2006/relationships" xmlns:p="http://schemas.openxmlformats.org/presentationml/2006/main" showMasterSp="0">
+  <p:cSld>
+    <p:bg>
+      <p:bgPr>
+        <a:blipFill dpi="0" rotWithShape="1">
+          <a:blip r:embed="rId2">
+            <a:lum/>
+          </a:blip>
+          <a:srcRect/>
+          <a:stretch>
+            <a:fillRect l="-2000" r="-2000"/>
+          </a:stretch>
+        </a:blipFill>
+        <a:effectLst/>
+      </p:bgPr>
+    </p:bg>
+    <p:spTree>
+      <p:nvGrpSpPr>
+        <p:cNvPr id="1" name=""/>
+        <p:cNvGrpSpPr/>
+        <p:nvPr/>
+      </p:nvGrpSpPr>
+      <p:grpSpPr>
+        <a:xfrm>
+          <a:off x="0" y="0"/>
+          <a:ext cx="0" cy="0"/>
+          <a:chOff x="0" y="0"/>
+          <a:chExt cx="0" cy="0"/>
+        </a:xfrm>
+      </p:grpSpPr>
+      <p:pic>
+        <p:nvPicPr>
+          <p:cNvPr id="4" name="Content Placeholder 3"/>
+          <p:cNvPicPr>
+            <a:picLocks noGrp="1" noChangeAspect="1"/>
+          </p:cNvPicPr>
+          <p:nvPr>
+            <p:ph idx="1"/>
+          </p:nvPr>
+        </p:nvPicPr>
+        <p:blipFill>
+          <a:blip r:embed="rId3">
+            <a:extLst>
+              <a:ext uri="{28A0092B-C50C-407E-A947-70E740481C1C}">
+                <a14:useLocalDpi xmlns:a14="http://schemas.microsoft.com/office/drawing/2010/main" val="0"/>
+              </a:ext>
+            </a:extLst>
+          </a:blip>
+          <a:stretch>
+            <a:fillRect/>
+          </a:stretch>
+        </p:blipFill>
+        <p:spPr>
+          <a:xfrm>
+            <a:off x="407964" y="126609"/>
+            <a:ext cx="6577618" cy="2450335"/>
+          </a:xfrm>
+        </p:spPr>
+      </p:pic>
+      <p:pic>
+        <p:nvPicPr>
+          <p:cNvPr id="7" name="Picture 6"/>
+          <p:cNvPicPr>
+            <a:picLocks noChangeAspect="1"/>
+          </p:cNvPicPr>
+          <p:nvPr/>
+        </p:nvPicPr>
+        <p:blipFill>
+          <a:blip r:embed="rId4">
+            <a:extLst>
+              <a:ext uri="{28A0092B-C50C-407E-A947-70E740481C1C}">
+                <a14:useLocalDpi xmlns:a14="http://schemas.microsoft.com/office/drawing/2010/main" val="0"/>
+              </a:ext>
+            </a:extLst>
+          </a:blip>
+          <a:stretch>
+            <a:fillRect/>
+          </a:stretch>
+        </p:blipFill>
+        <p:spPr>
+          <a:xfrm>
+            <a:off x="1878668" y="1900620"/>
+            <a:ext cx="4184508" cy="4431659"/>
+          </a:xfrm>
+          <a:prstGeom prst="rect">
+            <a:avLst/>
+          </a:prstGeom>
+        </p:spPr>
+      </p:pic>
+    </p:spTree>
+    <p:extLst>
+      <p:ext uri="{BB962C8B-B14F-4D97-AF65-F5344CB8AC3E}">
+        <p14:creationId xmlns:p14="http://schemas.microsoft.com/office/powerpoint/2010/main" val="3039525689"/>
+      </p:ext>
+    </p:extLst>
+  </p:cSld>
+  <p:clrMapOvr>
+    <a:masterClrMapping/>
+  </p:clrMapOvr>
+  <p:timing>
+    <p:tnLst>
+      <p:par>
+        <p:cTn id="1" dur="indefinite" restart="never" nodeType="tmRoot"/>
+      </p:par>
+    </p:tnLst>
+  </p:timing>
+</p:sld>
+</file>
+
+<file path=ppt/slides/slide3.xml><?xml version="1.0" encoding="utf-8"?>
+<p:sld xmlns:a="http://schemas.openxmlformats.org/drawingml/2006/main" xmlns:r="http://schemas.openxmlformats.org/officeDocument/2006/relationships" xmlns:p="http://schemas.openxmlformats.org/presentationml/2006/main">
+  <p:cSld>
+    <p:spTree>
+      <p:nvGrpSpPr>
+        <p:cNvPr id="1" name=""/>
+        <p:cNvGrpSpPr/>
+        <p:nvPr/>
+      </p:nvGrpSpPr>
+      <p:grpSpPr>
+        <a:xfrm>
+          <a:off x="0" y="0"/>
+          <a:ext cx="0" cy="0"/>
+          <a:chOff x="0" y="0"/>
+          <a:chExt cx="0" cy="0"/>
+        </a:xfrm>
+      </p:grpSpPr>
+      <p:sp>
+        <p:nvSpPr>
+          <p:cNvPr id="2" name="Title 1"/>
+          <p:cNvSpPr>
+            <a:spLocks noGrp="1"/>
+          </p:cNvSpPr>
+          <p:nvPr>
+            <p:ph type="ctrTitle"/>
+          </p:nvPr>
+        </p:nvSpPr>
+        <p:spPr>
+          <a:xfrm>
+            <a:off x="944655" y="931653"/>
+            <a:ext cx="9225887" cy="2182484"/>
+          </a:xfrm>
+        </p:spPr>
+        <p:txBody>
+          <a:bodyPr>
+            <a:normAutofit fontScale="90000"/>
+          </a:bodyPr>
+          <a:lstStyle/>
+          <a:p>
+            <a:pPr algn="ctr"/>
+            <a:r>
+              <a:rPr lang="en-US" dirty="0" smtClean="0"/>
+              <a:t>				</a:t>
+            </a:r>
+            <a:br>
+              <a:rPr lang="en-US" dirty="0" smtClean="0"/>
+            </a:br>
+            <a:r>
+              <a:rPr lang="en-US" dirty="0"/>
+              <a:t/>
+            </a:r>
+            <a:br>
+              <a:rPr lang="en-US" dirty="0"/>
+            </a:br>
+            <a:r>
+              <a:rPr lang="en-US" dirty="0" smtClean="0"/>
+              <a:t/>
+            </a:r>
+            <a:br>
+              <a:rPr lang="en-US" dirty="0" smtClean="0"/>
+            </a:br>
+            <a:r>
+              <a:rPr lang="en-US" dirty="0"/>
+              <a:t/>
+            </a:r>
+            <a:br>
+              <a:rPr lang="en-US" dirty="0"/>
+            </a:br>
+            <a:r>
+              <a:rPr lang="en-US" dirty="0" smtClean="0"/>
+              <a:t/>
+            </a:r>
+            <a:br>
+              <a:rPr lang="en-US" dirty="0" smtClean="0"/>
+            </a:br>
+            <a:r>
+              <a:rPr lang="en-US" dirty="0"/>
+              <a:t/>
+            </a:r>
+            <a:br>
+              <a:rPr lang="en-US" dirty="0"/>
+            </a:br>
+            <a:r>
+              <a:rPr lang="en-US" dirty="0" smtClean="0"/>
+              <a:t/>
+            </a:r>
+            <a:br>
+              <a:rPr lang="en-US" dirty="0" smtClean="0"/>
+            </a:br>
+            <a:r>
+              <a:rPr lang="en-US" dirty="0"/>
+              <a:t/>
+            </a:r>
+            <a:br>
+              <a:rPr lang="en-US" dirty="0"/>
+            </a:br>
+            <a:r>
+              <a:rPr lang="en-US" dirty="0" smtClean="0"/>
+              <a:t/>
+            </a:r>
+            <a:br>
+              <a:rPr lang="en-US" dirty="0" smtClean="0"/>
+            </a:br>
+            <a:r>
+              <a:rPr lang="en-US" dirty="0" smtClean="0"/>
+              <a:t>				</a:t>
+            </a:r>
+            <a:br>
+              <a:rPr lang="en-US" dirty="0" smtClean="0"/>
+            </a:br>
+            <a:r>
+              <a:rPr lang="bg-BG" dirty="0" smtClean="0"/>
+              <a:t>				</a:t>
+            </a:r>
+            <a:br>
+              <a:rPr lang="bg-BG" dirty="0" smtClean="0"/>
+            </a:br>
+            <a:r>
+              <a:rPr lang="bg-BG" dirty="0"/>
+              <a:t/>
+            </a:r>
+            <a:br>
+              <a:rPr lang="bg-BG" dirty="0"/>
+            </a:br>
+            <a:r>
+              <a:rPr lang="bg-BG" dirty="0" smtClean="0"/>
+              <a:t>		</a:t>
+            </a:r>
+            <a:br>
+              <a:rPr lang="bg-BG" dirty="0" smtClean="0"/>
+            </a:br>
+            <a:r>
+              <a:rPr lang="bg-BG" dirty="0"/>
+              <a:t/>
+            </a:r>
+            <a:br>
+              <a:rPr lang="bg-BG" dirty="0"/>
+            </a:br>
+            <a:r>
+              <a:rPr lang="en-US" dirty="0" smtClean="0"/>
+              <a:t>http</a:t>
+            </a:r>
+            <a:r>
+              <a:rPr lang="en-US" dirty="0"/>
+              <a:t>://</a:t>
+            </a:r>
+            <a:r>
+              <a:rPr lang="en-US" dirty="0" smtClean="0"/>
+              <a:t>store5.data.bg/asrockk/index.html</a:t>
+            </a:r>
+            <a:endParaRPr lang="en-US" dirty="0"/>
+          </a:p>
+        </p:txBody>
+      </p:sp>
+      <p:sp>
+        <p:nvSpPr>
+          <p:cNvPr id="8" name="Title 1"/>
+          <p:cNvSpPr txBox="1">
+            <a:spLocks/>
+          </p:cNvSpPr>
+          <p:nvPr/>
+        </p:nvSpPr>
+        <p:spPr>
+          <a:xfrm>
+            <a:off x="802321" y="3752489"/>
+            <a:ext cx="10580233" cy="2147977"/>
+          </a:xfrm>
+          <a:prstGeom prst="rect">
+            <a:avLst/>
+          </a:prstGeom>
+        </p:spPr>
+        <p:txBody>
+          <a:bodyPr vert="horz" lIns="91440" tIns="45720" rIns="91440" bIns="45720" rtlCol="0" anchor="b">
+            <a:noAutofit/>
+          </a:bodyPr>
+          <a:lstStyle>
+            <a:lvl1pPr algn="l" defTabSz="457200" rtl="0" eaLnBrk="1" latinLnBrk="0" hangingPunct="1">
+              <a:spcBef>
+                <a:spcPct val="0"/>
+              </a:spcBef>
+              <a:buNone/>
+              <a:defRPr sz="7200" b="0" i="0" kern="1200">
+                <a:solidFill>
+                  <a:schemeClr val="tx2"/>
+                </a:solidFill>
+                <a:latin typeface="+mj-lt"/>
+                <a:ea typeface="+mj-ea"/>
+                <a:cs typeface="+mj-cs"/>
+              </a:defRPr>
+            </a:lvl1pPr>
+            <a:lvl2pPr eaLnBrk="1" hangingPunct="1">
+              <a:defRPr>
+                <a:solidFill>
+                  <a:schemeClr val="tx2"/>
+                </a:solidFill>
+              </a:defRPr>
+            </a:lvl2pPr>
+            <a:lvl3pPr eaLnBrk="1" hangingPunct="1">
+              <a:defRPr>
+                <a:solidFill>
+                  <a:schemeClr val="tx2"/>
+                </a:solidFill>
+              </a:defRPr>
+            </a:lvl3pPr>
+            <a:lvl4pPr eaLnBrk="1" hangingPunct="1">
+              <a:defRPr>
+                <a:solidFill>
+                  <a:schemeClr val="tx2"/>
+                </a:solidFill>
+              </a:defRPr>
+            </a:lvl4pPr>
+            <a:lvl5pPr eaLnBrk="1" hangingPunct="1">
+              <a:defRPr>
+                <a:solidFill>
+                  <a:schemeClr val="tx2"/>
+                </a:solidFill>
+              </a:defRPr>
+            </a:lvl5pPr>
+            <a:lvl6pPr eaLnBrk="1" hangingPunct="1">
+              <a:defRPr>
+                <a:solidFill>
+                  <a:schemeClr val="tx2"/>
+                </a:solidFill>
+              </a:defRPr>
+            </a:lvl6pPr>
+            <a:lvl7pPr eaLnBrk="1" hangingPunct="1">
+              <a:defRPr>
+                <a:solidFill>
+                  <a:schemeClr val="tx2"/>
+                </a:solidFill>
+              </a:defRPr>
+            </a:lvl7pPr>
+            <a:lvl8pPr eaLnBrk="1" hangingPunct="1">
+              <a:defRPr>
+                <a:solidFill>
+                  <a:schemeClr val="tx2"/>
+                </a:solidFill>
+              </a:defRPr>
+            </a:lvl8pPr>
+            <a:lvl9pPr eaLnBrk="1" hangingPunct="1">
+              <a:defRPr>
+                <a:solidFill>
+                  <a:schemeClr val="tx2"/>
+                </a:solidFill>
+              </a:defRPr>
+            </a:lvl9pPr>
+          </a:lstStyle>
+          <a:p>
+            <a:pPr algn="ctr"/>
+            <a:r>
+              <a:rPr lang="en-US" sz="6500" dirty="0" smtClean="0"/>
+              <a:t>http://github.com/GeorgiBoykov/TEAM-COCONUT</a:t>
+            </a:r>
+            <a:endParaRPr lang="en-US" sz="6500" dirty="0"/>
+          </a:p>
+        </p:txBody>
+      </p:sp>
+    </p:spTree>
+    <p:extLst>
+      <p:ext uri="{BB962C8B-B14F-4D97-AF65-F5344CB8AC3E}">
+        <p14:creationId xmlns:p14="http://schemas.microsoft.com/office/powerpoint/2010/main" val="4147511744"/>
+      </p:ext>
+    </p:extLst>
+  </p:cSld>
+  <p:clrMapOvr>
+    <a:masterClrMapping/>
+  </p:clrMapOvr>
+  <mc:AlternateContent xmlns:mc="http://schemas.openxmlformats.org/markup-compatibility/2006">
+    <mc:Choice xmlns:p14="http://schemas.microsoft.com/office/powerpoint/2010/main" Requires="p14">
+      <p:transition p14:dur="100">
+        <p:cut/>
+      </p:transition>
+    </mc:Choice>
+    <mc:Fallback>
+      <p:transition>
+        <p:cut/>
+      </p:transition>
+    </mc:Fallback>
+  </mc:AlternateContent>
+  <p:timing>
+    <p:tnLst>
+      <p:par>
+        <p:cTn id="1" dur="indefinite" restart="never" nodeType="tmRoot"/>
+      </p:par>
+    </p:tnLst>
+  </p:timing>
+</p:sld>
+</file>
+
+<file path=ppt/slides/slide4.xml><?xml version="1.0" encoding="utf-8"?>
+<p:sld xmlns:a="http://schemas.openxmlformats.org/drawingml/2006/main" xmlns:r="http://schemas.openxmlformats.org/officeDocument/2006/relationships" xmlns:p="http://schemas.openxmlformats.org/presentationml/2006/main" showMasterSp="0">
+  <p:cSld>
+    <p:spTree>
+      <p:nvGrpSpPr>
+        <p:cNvPr id="1" name=""/>
+        <p:cNvGrpSpPr/>
+        <p:nvPr/>
+      </p:nvGrpSpPr>
+      <p:grpSpPr>
+        <a:xfrm>
+          <a:off x="0" y="0"/>
+          <a:ext cx="0" cy="0"/>
+          <a:chOff x="0" y="0"/>
+          <a:chExt cx="0" cy="0"/>
+        </a:xfrm>
+      </p:grpSpPr>
+      <p:sp>
+        <p:nvSpPr>
+          <p:cNvPr id="2" name="Title 1"/>
+          <p:cNvSpPr>
+            <a:spLocks noGrp="1"/>
+          </p:cNvSpPr>
+          <p:nvPr>
+            <p:ph type="title"/>
+          </p:nvPr>
+        </p:nvSpPr>
+        <p:spPr>
+          <a:xfrm>
+            <a:off x="787792" y="1631851"/>
+            <a:ext cx="10719580" cy="4065563"/>
+          </a:xfrm>
+        </p:spPr>
+        <p:txBody>
+          <a:bodyPr/>
+          <a:lstStyle/>
+          <a:p>
+            <a:pPr algn="ctr"/>
+            <a:r>
+              <a:rPr lang="bg-BG" sz="5000" b="1" dirty="0" smtClean="0">
+                <a:solidFill>
+                  <a:schemeClr val="tx1"/>
+                </a:solidFill>
+              </a:rPr>
+              <a:t>Тествайте възможностите си и</a:t>
+            </a:r>
+            <a:br>
+              <a:rPr lang="bg-BG" sz="5000" b="1" dirty="0" smtClean="0">
+                <a:solidFill>
+                  <a:schemeClr val="tx1"/>
+                </a:solidFill>
+              </a:rPr>
+            </a:br>
+            <a:r>
+              <a:rPr lang="bg-BG" sz="5000" b="1" dirty="0" smtClean="0">
+                <a:solidFill>
+                  <a:schemeClr val="tx1"/>
+                </a:solidFill>
+              </a:rPr>
+              <a:t>вижте колко можете да накарате Наков да изпие, преди да припадне!</a:t>
+            </a:r>
+            <a:br>
+              <a:rPr lang="bg-BG" sz="5000" b="1" dirty="0" smtClean="0">
+                <a:solidFill>
+                  <a:schemeClr val="tx1"/>
+                </a:solidFill>
+              </a:rPr>
+            </a:br>
+            <a:r>
+              <a:rPr lang="bg-BG" sz="5000" b="1" dirty="0" smtClean="0">
+                <a:solidFill>
+                  <a:schemeClr val="tx1"/>
+                </a:solidFill>
+              </a:rPr>
+              <a:t/>
+            </a:r>
+            <a:br>
+              <a:rPr lang="bg-BG" sz="5000" b="1" dirty="0" smtClean="0">
+                <a:solidFill>
+                  <a:schemeClr val="tx1"/>
+                </a:solidFill>
+              </a:rPr>
+            </a:br>
+            <a:r>
+              <a:rPr lang="bg-BG" sz="5000" b="1" dirty="0" smtClean="0">
+                <a:solidFill>
+                  <a:schemeClr val="tx1"/>
+                </a:solidFill>
+              </a:rPr>
+              <a:t/>
+            </a:r>
+            <a:br>
+              <a:rPr lang="bg-BG" sz="5000" b="1" dirty="0" smtClean="0">
+                <a:solidFill>
+                  <a:schemeClr val="tx1"/>
+                </a:solidFill>
+              </a:rPr>
+            </a:br>
+            <a:r>
+              <a:rPr lang="bg-BG" sz="5000" b="1" dirty="0"/>
+              <a:t/>
+            </a:r>
+            <a:br>
+              <a:rPr lang="bg-BG" sz="5000" b="1" dirty="0"/>
+            </a:br>
+            <a:endParaRPr lang="en-US" sz="5000" b="1" dirty="0"/>
+          </a:p>
+        </p:txBody>
+      </p:sp>
+    </p:spTree>
+    <p:extLst>
+      <p:ext uri="{BB962C8B-B14F-4D97-AF65-F5344CB8AC3E}">
+        <p14:creationId xmlns:p14="http://schemas.microsoft.com/office/powerpoint/2010/main" val="3541993266"/>
+      </p:ext>
+    </p:extLst>
+  </p:cSld>
+  <p:clrMapOvr>
+    <a:masterClrMapping/>
+  </p:clrMapOvr>
+  <p:timing>
+    <p:tnLst>
+      <p:par>
+        <p:cTn id="1" dur="indefinite" restart="never" nodeType="tmRoot"/>
+      </p:par>
+    </p:tnLst>
+  </p:timing>
+</p:sld>
+</file>
+
+<file path=ppt/slides/slide5.xml><?xml version="1.0" encoding="utf-8"?>
+<p:sld xmlns:a="http://schemas.openxmlformats.org/drawingml/2006/main" xmlns:r="http://schemas.openxmlformats.org/officeDocument/2006/relationships" xmlns:p="http://schemas.openxmlformats.org/presentationml/2006/main">
+  <p:cSld>
+    <p:bg>
+      <p:bgPr>
+        <a:solidFill>
+          <a:schemeClr val="bg1"/>
+        </a:solidFill>
+        <a:effectLst/>
+      </p:bgPr>
+    </p:bg>
+    <p:spTree>
+      <p:nvGrpSpPr>
+        <p:cNvPr id="1" name=""/>
+        <p:cNvGrpSpPr/>
+        <p:nvPr/>
+      </p:nvGrpSpPr>
+      <p:grpSpPr>
+        <a:xfrm>
+          <a:off x="0" y="0"/>
+          <a:ext cx="0" cy="0"/>
+          <a:chOff x="0" y="0"/>
+          <a:chExt cx="0" cy="0"/>
+        </a:xfrm>
+      </p:grpSpPr>
+      <p:pic>
+        <p:nvPicPr>
+          <p:cNvPr id="2" name="Picture 1"/>
+          <p:cNvPicPr>
+            <a:picLocks noChangeAspect="1"/>
+          </p:cNvPicPr>
+          <p:nvPr/>
+        </p:nvPicPr>
+        <p:blipFill>
+          <a:blip r:embed="rId3">
+            <a:extLst>
+              <a:ext uri="{28A0092B-C50C-407E-A947-70E740481C1C}">
+                <a14:useLocalDpi xmlns:a14="http://schemas.microsoft.com/office/drawing/2010/main" val="0"/>
+              </a:ext>
+            </a:extLst>
+          </a:blip>
+          <a:stretch>
+            <a:fillRect/>
+          </a:stretch>
+        </p:blipFill>
+        <p:spPr>
+          <a:xfrm>
+            <a:off x="0" y="0"/>
+            <a:ext cx="12192000" cy="6857999"/>
+          </a:xfrm>
+          <a:prstGeom prst="rect">
+            <a:avLst/>
+          </a:prstGeom>
+        </p:spPr>
+      </p:pic>
+    </p:spTree>
+    <p:extLst>
+      <p:ext uri="{BB962C8B-B14F-4D97-AF65-F5344CB8AC3E}">
+        <p14:creationId xmlns:p14="http://schemas.microsoft.com/office/powerpoint/2010/main" val="989798522"/>
+      </p:ext>
+    </p:extLst>
+  </p:cSld>
+  <p:clrMapOvr>
+    <a:masterClrMapping/>
+  </p:clrMapOvr>
+  <p:timing>
+    <p:tnLst>
+      <p:par>
+        <p:cTn id="1" dur="indefinite" restart="never" nodeType="tmRoot"/>
+      </p:par>
+    </p:tnLst>
+  </p:timing>
+</p:sld>
+</file>
+
+<file path=ppt/slides/slide6.xml><?xml version="1.0" encoding="utf-8"?>
+<p:sld xmlns:a="http://schemas.openxmlformats.org/drawingml/2006/main" xmlns:r="http://schemas.openxmlformats.org/officeDocument/2006/relationships" xmlns:p="http://schemas.openxmlformats.org/presentationml/2006/main" showMasterSp="0">
+  <p:cSld>
+    <p:spTree>
+      <p:nvGrpSpPr>
+        <p:cNvPr id="1" name=""/>
+        <p:cNvGrpSpPr/>
+        <p:nvPr/>
+      </p:nvGrpSpPr>
+      <p:grpSpPr>
+        <a:xfrm>
+          <a:off x="0" y="0"/>
+          <a:ext cx="0" cy="0"/>
+          <a:chOff x="0" y="0"/>
+          <a:chExt cx="0" cy="0"/>
+        </a:xfrm>
+      </p:grpSpPr>
+      <p:sp useBgFill="1">
+        <p:nvSpPr>
+          <p:cNvPr id="2" name="Title 1"/>
+          <p:cNvSpPr>
+            <a:spLocks noGrp="1"/>
+          </p:cNvSpPr>
+          <p:nvPr>
+            <p:ph type="title"/>
+          </p:nvPr>
+        </p:nvSpPr>
+        <p:spPr>
+          <a:xfrm>
+            <a:off x="1254511" y="565259"/>
+            <a:ext cx="9404723" cy="1400530"/>
+          </a:xfrm>
+        </p:spPr>
+        <p:txBody>
+          <a:bodyPr/>
+          <a:lstStyle/>
+          <a:p>
+            <a:pPr algn="ctr"/>
+            <a:r>
+              <a:rPr lang="bg-BG" sz="6500" i="1" dirty="0" smtClean="0">
+                <a:latin typeface="Arial Black" panose="020B0A04020102020204" pitchFamily="34" charset="0"/>
+              </a:rPr>
+              <a:t>Контроли:</a:t>
+            </a:r>
+            <a:endParaRPr lang="en-US" sz="6500" i="1" dirty="0">
+              <a:latin typeface="Arial Black" panose="020B0A04020102020204" pitchFamily="34" charset="0"/>
+            </a:endParaRPr>
+          </a:p>
+        </p:txBody>
+      </p:sp>
+      <p:pic>
+        <p:nvPicPr>
+          <p:cNvPr id="6" name="Content Placeholder 5"/>
+          <p:cNvPicPr>
+            <a:picLocks noGrp="1" noChangeAspect="1"/>
+          </p:cNvPicPr>
+          <p:nvPr>
+            <p:ph idx="1"/>
+          </p:nvPr>
+        </p:nvPicPr>
+        <p:blipFill>
+          <a:blip r:embed="rId2">
+            <a:extLst>
+              <a:ext uri="{28A0092B-C50C-407E-A947-70E740481C1C}">
+                <a14:useLocalDpi xmlns:a14="http://schemas.microsoft.com/office/drawing/2010/main" val="0"/>
+              </a:ext>
+            </a:extLst>
+          </a:blip>
+          <a:stretch>
+            <a:fillRect/>
+          </a:stretch>
+        </p:blipFill>
+        <p:spPr>
+          <a:xfrm>
+            <a:off x="2138289" y="1965789"/>
+            <a:ext cx="8117057" cy="3970777"/>
+          </a:xfrm>
+          <a:prstGeom prst="rect">
+            <a:avLst/>
+          </a:prstGeom>
+          <a:ln w="38100" cap="sq">
+            <a:solidFill>
+              <a:srgbClr val="000000"/>
+            </a:solidFill>
+            <a:prstDash val="solid"/>
+            <a:miter lim="800000"/>
+          </a:ln>
+          <a:effectLst>
+            <a:outerShdw blurRad="50800" dist="38100" dir="2700000" algn="tl" rotWithShape="0">
+              <a:srgbClr val="000000">
+                <a:alpha val="43000"/>
+              </a:srgbClr>
+            </a:outerShdw>
+          </a:effectLst>
+        </p:spPr>
+      </p:pic>
+    </p:spTree>
+    <p:extLst>
+      <p:ext uri="{BB962C8B-B14F-4D97-AF65-F5344CB8AC3E}">
+        <p14:creationId xmlns:p14="http://schemas.microsoft.com/office/powerpoint/2010/main" val="2026885553"/>
+      </p:ext>
+    </p:extLst>
+  </p:cSld>
+  <p:clrMapOvr>
+    <a:masterClrMapping/>
+  </p:clrMapOvr>
+  <p:timing>
+    <p:tnLst>
+      <p:par>
+        <p:cTn id="1" dur="indefinite" restart="never" nodeType="tmRoot"/>
+      </p:par>
+    </p:tnLst>
+  </p:timing>
+</p:sld>
+</file>
+
+<file path=ppt/slides/slide7.xml><?xml version="1.0" encoding="utf-8"?>
+<p:sld xmlns:a="http://schemas.openxmlformats.org/drawingml/2006/main" xmlns:r="http://schemas.openxmlformats.org/officeDocument/2006/relationships" xmlns:p="http://schemas.openxmlformats.org/presentationml/2006/main" showMasterSp="0">
+  <p:cSld>
+    <p:spTree>
+      <p:nvGrpSpPr>
+        <p:cNvPr id="1" name=""/>
+        <p:cNvGrpSpPr/>
+        <p:nvPr/>
+      </p:nvGrpSpPr>
+      <p:grpSpPr>
+        <a:xfrm>
+          <a:off x="0" y="0"/>
+          <a:ext cx="0" cy="0"/>
+          <a:chOff x="0" y="0"/>
+          <a:chExt cx="0" cy="0"/>
+        </a:xfrm>
+      </p:grpSpPr>
+      <p:sp>
+        <p:nvSpPr>
+          <p:cNvPr id="2" name="Title 1"/>
+          <p:cNvSpPr>
+            <a:spLocks noGrp="1"/>
+          </p:cNvSpPr>
+          <p:nvPr>
+            <p:ph type="title"/>
+          </p:nvPr>
+        </p:nvSpPr>
+        <p:spPr>
+          <a:xfrm>
+            <a:off x="1476105" y="396447"/>
+            <a:ext cx="9404723" cy="1400530"/>
+          </a:xfrm>
+        </p:spPr>
+        <p:txBody>
+          <a:bodyPr/>
+          <a:lstStyle/>
+          <a:p>
+            <a:pPr algn="ctr"/>
+            <a:r>
+              <a:rPr lang="bg-BG" sz="5500" b="1" dirty="0" smtClean="0">
+                <a:latin typeface="Arial Black" panose="020B0A04020102020204" pitchFamily="34" charset="0"/>
+              </a:rPr>
+              <a:t>Цел и правила:</a:t>
+            </a:r>
+            <a:endParaRPr lang="en-US" sz="5500" b="1" dirty="0">
+              <a:latin typeface="Arial Black" panose="020B0A04020102020204" pitchFamily="34" charset="0"/>
+            </a:endParaRPr>
+          </a:p>
+        </p:txBody>
+      </p:sp>
+      <p:sp>
+        <p:nvSpPr>
+          <p:cNvPr id="3" name="Content Placeholder 2"/>
+          <p:cNvSpPr>
+            <a:spLocks noGrp="1"/>
+          </p:cNvSpPr>
+          <p:nvPr>
+            <p:ph idx="1"/>
+          </p:nvPr>
+        </p:nvSpPr>
+        <p:spPr>
+          <a:xfrm>
+            <a:off x="1705195" y="2010715"/>
+            <a:ext cx="8946541" cy="4195481"/>
+          </a:xfrm>
+        </p:spPr>
+        <p:txBody>
+          <a:bodyPr>
+            <a:normAutofit lnSpcReduction="10000"/>
+          </a:bodyPr>
+          <a:lstStyle/>
+          <a:p>
+            <a:pPr marL="0" indent="0" algn="ctr">
+              <a:buNone/>
+            </a:pPr>
+            <a:r>
+              <a:rPr lang="bg-BG" sz="4500" i="1" dirty="0"/>
+              <a:t>В играта „</a:t>
+            </a:r>
+            <a:r>
+              <a:rPr lang="en-US" sz="4500" i="1" dirty="0" err="1"/>
+              <a:t>Nakovitza</a:t>
+            </a:r>
+            <a:r>
+              <a:rPr lang="en-US" sz="4500" i="1" dirty="0"/>
+              <a:t>” </a:t>
+            </a:r>
+            <a:r>
+              <a:rPr lang="bg-BG" sz="4500" i="1" dirty="0"/>
+              <a:t> ще се превъплътите в главния герой Наков. Целта на играта е да събирате алкохолни питиета, които с</a:t>
+            </a:r>
+            <a:r>
+              <a:rPr lang="en-US" sz="4500" i="1" dirty="0"/>
+              <a:t>a</a:t>
+            </a:r>
+            <a:r>
+              <a:rPr lang="bg-BG" sz="4500" i="1" dirty="0"/>
+              <a:t> разпръснати по екрана</a:t>
+            </a:r>
+            <a:r>
+              <a:rPr lang="bg-BG" dirty="0"/>
+              <a:t>.</a:t>
+            </a:r>
+            <a:endParaRPr lang="en-US" dirty="0"/>
+          </a:p>
+          <a:p>
+            <a:pPr marL="0" indent="0">
+              <a:buNone/>
+            </a:pPr>
+            <a:endParaRPr lang="en-US" dirty="0"/>
+          </a:p>
+        </p:txBody>
+      </p:sp>
+    </p:spTree>
+    <p:extLst>
+      <p:ext uri="{BB962C8B-B14F-4D97-AF65-F5344CB8AC3E}">
+        <p14:creationId xmlns:p14="http://schemas.microsoft.com/office/powerpoint/2010/main" val="2458427043"/>
+      </p:ext>
+    </p:extLst>
+  </p:cSld>
+  <p:clrMapOvr>
+    <a:masterClrMapping/>
+  </p:clrMapOvr>
+  <p:timing>
+    <p:tnLst>
+      <p:par>
+        <p:cTn id="1" dur="indefinite" restart="never" nodeType="tmRoot"/>
+      </p:par>
+    </p:tnLst>
+  </p:timing>
+</p:sld>
+</file>
+
+<file path=ppt/slides/slide8.xml><?xml version="1.0" encoding="utf-8"?>
+<p:sld xmlns:a="http://schemas.openxmlformats.org/drawingml/2006/main" xmlns:r="http://schemas.openxmlformats.org/officeDocument/2006/relationships" xmlns:p="http://schemas.openxmlformats.org/presentationml/2006/main" showMasterSp="0">
+  <p:cSld>
+    <p:spTree>
+      <p:nvGrpSpPr>
+        <p:cNvPr id="1" name=""/>
+        <p:cNvGrpSpPr/>
+        <p:nvPr/>
+      </p:nvGrpSpPr>
+      <p:grpSpPr>
+        <a:xfrm>
+          <a:off x="0" y="0"/>
+          <a:ext cx="0" cy="0"/>
+          <a:chOff x="0" y="0"/>
+          <a:chExt cx="0" cy="0"/>
+        </a:xfrm>
+      </p:grpSpPr>
+      <p:sp>
+        <p:nvSpPr>
+          <p:cNvPr id="3" name="Content Placeholder 2"/>
+          <p:cNvSpPr>
+            <a:spLocks noGrp="1"/>
+          </p:cNvSpPr>
+          <p:nvPr>
+            <p:ph idx="1"/>
+          </p:nvPr>
+        </p:nvSpPr>
+        <p:spPr>
+          <a:xfrm>
+            <a:off x="776377" y="690113"/>
+            <a:ext cx="10541480" cy="6064370"/>
+          </a:xfrm>
+        </p:spPr>
+        <p:txBody>
+          <a:bodyPr>
+            <a:normAutofit fontScale="85000" lnSpcReduction="10000"/>
+          </a:bodyPr>
+          <a:lstStyle/>
+          <a:p>
+            <a:pPr marL="0" indent="0">
+              <a:buNone/>
+            </a:pPr>
+            <a:r>
+              <a:rPr lang="bg-BG" sz="4000" dirty="0" smtClean="0"/>
+              <a:t>Колкото повече „бири“  (			 )</a:t>
+            </a:r>
+          </a:p>
+          <a:p>
+            <a:pPr marL="0" indent="0">
+              <a:buNone/>
+            </a:pPr>
+            <a:r>
+              <a:rPr lang="bg-BG" sz="4000" dirty="0" smtClean="0"/>
+              <a:t>изпивате толкова </a:t>
+            </a:r>
+            <a:r>
+              <a:rPr lang="bg-BG" sz="4000" dirty="0"/>
+              <a:t>по-бавен и труден за управление става Наков</a:t>
+            </a:r>
+            <a:r>
+              <a:rPr lang="bg-BG" sz="4000" dirty="0" smtClean="0"/>
+              <a:t>.</a:t>
+            </a:r>
+            <a:endParaRPr lang="en-US" sz="4000" dirty="0" smtClean="0"/>
+          </a:p>
+          <a:p>
+            <a:pPr marL="0" indent="0">
+              <a:buNone/>
+            </a:pPr>
+            <a:r>
+              <a:rPr lang="bg-BG" sz="4000" dirty="0" smtClean="0"/>
+              <a:t>След изпити </a:t>
+            </a:r>
+            <a:r>
+              <a:rPr lang="en-US" sz="4000" dirty="0" smtClean="0"/>
+              <a:t>2</a:t>
+            </a:r>
+            <a:r>
+              <a:rPr lang="bg-BG" sz="4000" dirty="0" smtClean="0"/>
+              <a:t>0 </a:t>
+            </a:r>
+            <a:r>
+              <a:rPr lang="bg-BG" sz="4000" dirty="0" smtClean="0"/>
+              <a:t>бири, контролите наляво и надясно се разменят</a:t>
+            </a:r>
+            <a:r>
+              <a:rPr lang="bg-BG" sz="4000" dirty="0" smtClean="0"/>
+              <a:t>.</a:t>
+            </a:r>
+            <a:r>
+              <a:rPr lang="en-US" sz="4000" dirty="0" smtClean="0"/>
+              <a:t> </a:t>
+            </a:r>
+            <a:r>
+              <a:rPr lang="bg-BG" sz="4000" dirty="0" smtClean="0"/>
+              <a:t>След изпити 30 бири става „мазало“, всичко е разменено.</a:t>
+            </a:r>
+            <a:endParaRPr lang="en-US" sz="4000" dirty="0" smtClean="0"/>
+          </a:p>
+          <a:p>
+            <a:pPr marL="0" indent="0">
+              <a:buNone/>
+            </a:pPr>
+            <a:endParaRPr lang="bg-BG" sz="4000" dirty="0"/>
+          </a:p>
+          <a:p>
+            <a:pPr marL="0" indent="0">
+              <a:buNone/>
+            </a:pPr>
+            <a:endParaRPr lang="bg-BG" sz="4000" dirty="0"/>
+          </a:p>
+          <a:p>
+            <a:pPr marL="0" indent="0">
+              <a:buNone/>
+            </a:pPr>
+            <a:r>
+              <a:rPr lang="bg-BG" sz="3800" dirty="0" smtClean="0"/>
+              <a:t>Бонус бутилките „ ракия“ (		  ) излизат през определен период  и носят допълнително време, както и правят героя ви по-бърз.			</a:t>
+            </a:r>
+            <a:r>
+              <a:rPr lang="bg-BG" sz="4000" dirty="0" smtClean="0"/>
+              <a:t>	</a:t>
+            </a:r>
+          </a:p>
+          <a:p>
+            <a:pPr marL="0" indent="0" algn="ctr">
+              <a:buNone/>
+            </a:pPr>
+            <a:endParaRPr lang="bg-BG" sz="4000" dirty="0" smtClean="0"/>
+          </a:p>
+          <a:p>
+            <a:pPr marL="0" indent="0" algn="ctr">
+              <a:buNone/>
+            </a:pPr>
+            <a:endParaRPr lang="en-US" sz="4000" dirty="0"/>
+          </a:p>
+        </p:txBody>
+      </p:sp>
+      <p:pic>
+        <p:nvPicPr>
+          <p:cNvPr id="5" name="Picture 4"/>
+          <p:cNvPicPr>
+            <a:picLocks noChangeAspect="1"/>
+          </p:cNvPicPr>
+          <p:nvPr/>
+        </p:nvPicPr>
+        <p:blipFill>
+          <a:blip r:embed="rId2">
+            <a:extLst>
+              <a:ext uri="{28A0092B-C50C-407E-A947-70E740481C1C}">
+                <a14:useLocalDpi xmlns:a14="http://schemas.microsoft.com/office/drawing/2010/main" val="0"/>
+              </a:ext>
+            </a:extLst>
+          </a:blip>
+          <a:stretch>
+            <a:fillRect/>
+          </a:stretch>
+        </p:blipFill>
+        <p:spPr>
+          <a:xfrm>
+            <a:off x="6287494" y="4147585"/>
+            <a:ext cx="710576" cy="1443344"/>
+          </a:xfrm>
+          <a:prstGeom prst="rect">
+            <a:avLst/>
+          </a:prstGeom>
+        </p:spPr>
+      </p:pic>
+      <p:pic>
+        <p:nvPicPr>
+          <p:cNvPr id="2" name="Picture 1"/>
+          <p:cNvPicPr>
+            <a:picLocks noChangeAspect="1"/>
+          </p:cNvPicPr>
+          <p:nvPr/>
+        </p:nvPicPr>
+        <p:blipFill>
+          <a:blip r:embed="rId3">
+            <a:extLst>
+              <a:ext uri="{28A0092B-C50C-407E-A947-70E740481C1C}">
+                <a14:useLocalDpi xmlns:a14="http://schemas.microsoft.com/office/drawing/2010/main" val="0"/>
+              </a:ext>
+            </a:extLst>
+          </a:blip>
+          <a:stretch>
+            <a:fillRect/>
+          </a:stretch>
+        </p:blipFill>
+        <p:spPr>
+          <a:xfrm>
+            <a:off x="6287494" y="139112"/>
+            <a:ext cx="1102001" cy="1102001"/>
+          </a:xfrm>
+          <a:prstGeom prst="rect">
+            <a:avLst/>
+          </a:prstGeom>
+        </p:spPr>
+      </p:pic>
+    </p:spTree>
+    <p:extLst>
+      <p:ext uri="{BB962C8B-B14F-4D97-AF65-F5344CB8AC3E}">
+        <p14:creationId xmlns:p14="http://schemas.microsoft.com/office/powerpoint/2010/main" val="3156000592"/>
+      </p:ext>
+    </p:extLst>
+  </p:cSld>
+  <p:clrMapOvr>
+    <a:masterClrMapping/>
+  </p:clrMapOvr>
+  <p:timing>
+    <p:tnLst>
+      <p:par>
+        <p:cTn id="1" dur="indefinite" restart="never" nodeType="tmRoot"/>
+      </p:par>
+    </p:tnLst>
+  </p:timing>
+</p:sld>
+</file>
+
+<file path=ppt/slides/slide9.xml><?xml version="1.0" encoding="utf-8"?>
+<p:sld xmlns:a="http://schemas.openxmlformats.org/drawingml/2006/main" xmlns:r="http://schemas.openxmlformats.org/officeDocument/2006/relationships" xmlns:p="http://schemas.openxmlformats.org/presentationml/2006/main" showMasterSp="0">
+  <p:cSld>
+    <p:spTree>
+      <p:nvGrpSpPr>
+        <p:cNvPr id="1" name=""/>
+        <p:cNvGrpSpPr/>
+        <p:nvPr/>
+      </p:nvGrpSpPr>
+      <p:grpSpPr>
+        <a:xfrm>
+          <a:off x="0" y="0"/>
+          <a:ext cx="0" cy="0"/>
+          <a:chOff x="0" y="0"/>
+          <a:chExt cx="0" cy="0"/>
+        </a:xfrm>
+      </p:grpSpPr>
+      <p:sp>
+        <p:nvSpPr>
+          <p:cNvPr id="3" name="Content Placeholder 2"/>
+          <p:cNvSpPr>
+            <a:spLocks noGrp="1"/>
+          </p:cNvSpPr>
+          <p:nvPr>
+            <p:ph idx="1"/>
+          </p:nvPr>
+        </p:nvSpPr>
+        <p:spPr>
+          <a:xfrm>
+            <a:off x="1550450" y="1253356"/>
+            <a:ext cx="8946541" cy="4686886"/>
+          </a:xfrm>
+        </p:spPr>
+        <p:txBody>
+          <a:bodyPr/>
+          <a:lstStyle/>
+          <a:p>
+            <a:pPr marL="0" indent="0">
+              <a:buNone/>
+            </a:pPr>
+            <a:r>
+              <a:rPr lang="bg-BG" dirty="0" smtClean="0"/>
+              <a:t>		</a:t>
+            </a:r>
+            <a:r>
+              <a:rPr lang="en-US" sz="4000" dirty="0"/>
+              <a:t> </a:t>
+            </a:r>
+            <a:r>
+              <a:rPr lang="en-US" sz="4000" dirty="0" smtClean="0"/>
+              <a:t>”Drunk-O-Meter ” (			</a:t>
+            </a:r>
+            <a:r>
+              <a:rPr lang="en-US" sz="4000" dirty="0"/>
+              <a:t> </a:t>
+            </a:r>
+            <a:r>
+              <a:rPr lang="en-US" sz="4000" dirty="0" smtClean="0"/>
+              <a:t>  </a:t>
+            </a:r>
+            <a:r>
+              <a:rPr lang="bg-BG" sz="4000" dirty="0" smtClean="0"/>
+              <a:t>) </a:t>
+            </a:r>
+          </a:p>
+          <a:p>
+            <a:pPr marL="0" indent="0">
+              <a:buNone/>
+            </a:pPr>
+            <a:r>
+              <a:rPr lang="bg-BG" sz="4000" dirty="0" smtClean="0"/>
+              <a:t>Това е индикаторът ,който отчита нивото на кръв в алкохола.</a:t>
+            </a:r>
+            <a:r>
+              <a:rPr lang="en-US" sz="4000" dirty="0" smtClean="0"/>
+              <a:t> </a:t>
+            </a:r>
+            <a:r>
+              <a:rPr lang="bg-BG" sz="4000" dirty="0" smtClean="0"/>
+              <a:t>Колкото по-надясно е стрелката, толкова по-трудно ще е да управлявате героя.</a:t>
+            </a:r>
+            <a:endParaRPr lang="en-US" sz="4000" dirty="0"/>
+          </a:p>
+        </p:txBody>
+      </p:sp>
+      <p:pic>
+        <p:nvPicPr>
+          <p:cNvPr id="4" name="Picture 3"/>
+          <p:cNvPicPr>
+            <a:picLocks noChangeAspect="1"/>
+          </p:cNvPicPr>
+          <p:nvPr/>
+        </p:nvPicPr>
+        <p:blipFill>
+          <a:blip r:embed="rId2">
+            <a:extLst>
+              <a:ext uri="{28A0092B-C50C-407E-A947-70E740481C1C}">
+                <a14:useLocalDpi xmlns:a14="http://schemas.microsoft.com/office/drawing/2010/main" val="0"/>
+              </a:ext>
+            </a:extLst>
+          </a:blip>
+          <a:stretch>
+            <a:fillRect/>
+          </a:stretch>
+        </p:blipFill>
+        <p:spPr>
+          <a:xfrm>
+            <a:off x="7336751" y="986070"/>
+            <a:ext cx="1523809" cy="1003175"/>
+          </a:xfrm>
+          <a:prstGeom prst="rect">
+            <a:avLst/>
+          </a:prstGeom>
+        </p:spPr>
+      </p:pic>
+    </p:spTree>
+    <p:extLst>
+      <p:ext uri="{BB962C8B-B14F-4D97-AF65-F5344CB8AC3E}">
+        <p14:creationId xmlns:p14="http://schemas.microsoft.com/office/powerpoint/2010/main" val="2061667444"/>
       </p:ext>
     </p:extLst>
   </p:cSld>
@@ -8678,4 +9411,265 @@
     </a:ext>
   </a:extLst>
 </a:theme>
+</file>
+
+<file path=ppt/theme/theme2.xml><?xml version="1.0" encoding="utf-8"?>
+<a:theme xmlns:a="http://schemas.openxmlformats.org/drawingml/2006/main" name="Office Theme">
+  <a:themeElements>
+    <a:clrScheme name="Office">
+      <a:dk1>
+        <a:sysClr val="windowText" lastClr="000000"/>
+      </a:dk1>
+      <a:lt1>
+        <a:sysClr val="window" lastClr="FFFFFF"/>
+      </a:lt1>
+      <a:dk2>
+        <a:srgbClr val="44546A"/>
+      </a:dk2>
+      <a:lt2>
+        <a:srgbClr val="E7E6E6"/>
+      </a:lt2>
+      <a:accent1>
+        <a:srgbClr val="5B9BD5"/>
+      </a:accent1>
+      <a:accent2>
+        <a:srgbClr val="ED7D31"/>
+      </a:accent2>
+      <a:accent3>
+        <a:srgbClr val="A5A5A5"/>
+      </a:accent3>
+      <a:accent4>
+        <a:srgbClr val="FFC000"/>
+      </a:accent4>
+      <a:accent5>
+        <a:srgbClr val="4472C4"/>
+      </a:accent5>
+      <a:accent6>
+        <a:srgbClr val="70AD47"/>
+      </a:accent6>
+      <a:hlink>
+        <a:srgbClr val="0563C1"/>
+      </a:hlink>
+      <a:folHlink>
+        <a:srgbClr val="954F72"/>
+      </a:folHlink>
+    </a:clrScheme>
+    <a:fontScheme name="Office">
+      <a:majorFont>
+        <a:latin typeface="Calibri Light" panose="020F0302020204030204"/>
+        <a:ea typeface=""/>
+        <a:cs typeface=""/>
+        <a:font script="Jpan" typeface="ＭＳ Ｐゴシック"/>
+        <a:font script="Hang" typeface="맑은 고딕"/>
+        <a:font script="Hans" typeface="宋体"/>
+        <a:font script="Hant" typeface="新細明體"/>
+        <a:font script="Arab" typeface="Times New Roman"/>
+        <a:font script="Hebr" typeface="Times New Roman"/>
+        <a:font script="Thai" typeface="Angsana New"/>
+        <a:font script="Ethi" typeface="Nyala"/>
+        <a:font script="Beng" typeface="Vrinda"/>
+        <a:font script="Gujr" typeface="Shruti"/>
+        <a:font script="Khmr" typeface="MoolBoran"/>
+        <a:font script="Knda" typeface="Tunga"/>
+        <a:font script="Guru" typeface="Raavi"/>
+        <a:font script="Cans" typeface="Euphemia"/>
+        <a:font script="Cher" typeface="Plantagenet Cherokee"/>
+        <a:font script="Yiii" typeface="Microsoft Yi Baiti"/>
+        <a:font script="Tibt" typeface="Microsoft Himalaya"/>
+        <a:font script="Thaa" typeface="MV Boli"/>
+        <a:font script="Deva" typeface="Mangal"/>
+        <a:font script="Telu" typeface="Gautami"/>
+        <a:font script="Taml" typeface="Latha"/>
+        <a:font script="Syrc" typeface="Estrangelo Edessa"/>
+        <a:font script="Orya" typeface="Kalinga"/>
+        <a:font script="Mlym" typeface="Kartika"/>
+        <a:font script="Laoo" typeface="DokChampa"/>
+        <a:font script="Sinh" typeface="Iskoola Pota"/>
+        <a:font script="Mong" typeface="Mongolian Baiti"/>
+        <a:font script="Viet" typeface="Times New Roman"/>
+        <a:font script="Uigh" typeface="Microsoft Uighur"/>
+        <a:font script="Geor" typeface="Sylfaen"/>
+      </a:majorFont>
+      <a:minorFont>
+        <a:latin typeface="Calibri" panose="020F0502020204030204"/>
+        <a:ea typeface=""/>
+        <a:cs typeface=""/>
+        <a:font script="Jpan" typeface="ＭＳ Ｐゴシック"/>
+        <a:font script="Hang" typeface="맑은 고딕"/>
+        <a:font script="Hans" typeface="宋体"/>
+        <a:font script="Hant" typeface="新細明體"/>
+        <a:font script="Arab" typeface="Arial"/>
+        <a:font script="Hebr" typeface="Arial"/>
+        <a:font script="Thai" typeface="Cordia New"/>
+        <a:font script="Ethi" typeface="Nyala"/>
+        <a:font script="Beng" typeface="Vrinda"/>
+        <a:font script="Gujr" typeface="Shruti"/>
+        <a:font script="Khmr" typeface="DaunPenh"/>
+        <a:font script="Knda" typeface="Tunga"/>
+        <a:font script="Guru" typeface="Raavi"/>
+        <a:font script="Cans" typeface="Euphemia"/>
+        <a:font script="Cher" typeface="Plantagenet Cherokee"/>
+        <a:font script="Yiii" typeface="Microsoft Yi Baiti"/>
+        <a:font script="Tibt" typeface="Microsoft Himalaya"/>
+        <a:font script="Thaa" typeface="MV Boli"/>
+        <a:font script="Deva" typeface="Mangal"/>
+        <a:font script="Telu" typeface="Gautami"/>
+        <a:font script="Taml" typeface="Latha"/>
+        <a:font script="Syrc" typeface="Estrangelo Edessa"/>
+        <a:font script="Orya" typeface="Kalinga"/>
+        <a:font script="Mlym" typeface="Kartika"/>
+        <a:font script="Laoo" typeface="DokChampa"/>
+        <a:font script="Sinh" typeface="Iskoola Pota"/>
+        <a:font script="Mong" typeface="Mongolian Baiti"/>
+        <a:font script="Viet" typeface="Arial"/>
+        <a:font script="Uigh" typeface="Microsoft Uighur"/>
+        <a:font script="Geor" typeface="Sylfaen"/>
+      </a:minorFont>
+    </a:fontScheme>
+    <a:fmtScheme name="Office">
+      <a:fillStyleLst>
+        <a:solidFill>
+          <a:schemeClr val="phClr"/>
+        </a:solidFill>
+        <a:gradFill rotWithShape="1">
+          <a:gsLst>
+            <a:gs pos="0">
+              <a:schemeClr val="phClr">
+                <a:lumMod val="110000"/>
+                <a:satMod val="105000"/>
+                <a:tint val="67000"/>
+              </a:schemeClr>
+            </a:gs>
+            <a:gs pos="50000">
+              <a:schemeClr val="phClr">
+                <a:lumMod val="105000"/>
+                <a:satMod val="103000"/>
+                <a:tint val="73000"/>
+              </a:schemeClr>
+            </a:gs>
+            <a:gs pos="100000">
+              <a:schemeClr val="phClr">
+                <a:lumMod val="105000"/>
+                <a:satMod val="109000"/>
+                <a:tint val="81000"/>
+              </a:schemeClr>
+            </a:gs>
+          </a:gsLst>
+          <a:lin ang="5400000" scaled="0"/>
+        </a:gradFill>
+        <a:gradFill rotWithShape="1">
+          <a:gsLst>
+            <a:gs pos="0">
+              <a:schemeClr val="phClr">
+                <a:satMod val="103000"/>
+                <a:lumMod val="102000"/>
+                <a:tint val="94000"/>
+              </a:schemeClr>
+            </a:gs>
+            <a:gs pos="50000">
+              <a:schemeClr val="phClr">
+                <a:satMod val="110000"/>
+                <a:lumMod val="100000"/>
+                <a:shade val="100000"/>
+              </a:schemeClr>
+            </a:gs>
+            <a:gs pos="100000">
+              <a:schemeClr val="phClr">
+                <a:lumMod val="99000"/>
+                <a:satMod val="120000"/>
+                <a:shade val="78000"/>
+              </a:schemeClr>
+            </a:gs>
+          </a:gsLst>
+          <a:lin ang="5400000" scaled="0"/>
+        </a:gradFill>
+      </a:fillStyleLst>
+      <a:lnStyleLst>
+        <a:ln w="6350" cap="flat" cmpd="sng" algn="ctr">
+          <a:solidFill>
+            <a:schemeClr val="phClr"/>
+          </a:solidFill>
+          <a:prstDash val="solid"/>
+          <a:miter lim="800000"/>
+        </a:ln>
+        <a:ln w="12700" cap="flat" cmpd="sng" algn="ctr">
+          <a:solidFill>
+            <a:schemeClr val="phClr"/>
+          </a:solidFill>
+          <a:prstDash val="solid"/>
+          <a:miter lim="800000"/>
+        </a:ln>
+        <a:ln w="19050" cap="flat" cmpd="sng" algn="ctr">
+          <a:solidFill>
+            <a:schemeClr val="phClr"/>
+          </a:solidFill>
+          <a:prstDash val="solid"/>
+          <a:miter lim="800000"/>
+        </a:ln>
+      </a:lnStyleLst>
+      <a:effectStyleLst>
+        <a:effectStyle>
+          <a:effectLst/>
+        </a:effectStyle>
+        <a:effectStyle>
+          <a:effectLst/>
+        </a:effectStyle>
+        <a:effectStyle>
+          <a:effectLst>
+            <a:outerShdw blurRad="57150" dist="19050" dir="5400000" algn="ctr" rotWithShape="0">
+              <a:srgbClr val="000000">
+                <a:alpha val="63000"/>
+              </a:srgbClr>
+            </a:outerShdw>
+          </a:effectLst>
+        </a:effectStyle>
+      </a:effectStyleLst>
+      <a:bgFillStyleLst>
+        <a:solidFill>
+          <a:schemeClr val="phClr"/>
+        </a:solidFill>
+        <a:solidFill>
+          <a:schemeClr val="phClr">
+            <a:tint val="95000"/>
+            <a:satMod val="170000"/>
+          </a:schemeClr>
+        </a:solidFill>
+        <a:gradFill rotWithShape="1">
+          <a:gsLst>
+            <a:gs pos="0">
+              <a:schemeClr val="phClr">
+                <a:tint val="93000"/>
+                <a:satMod val="150000"/>
+                <a:shade val="98000"/>
+                <a:lumMod val="102000"/>
+              </a:schemeClr>
+            </a:gs>
+            <a:gs pos="50000">
+              <a:schemeClr val="phClr">
+                <a:tint val="98000"/>
+                <a:satMod val="130000"/>
+                <a:shade val="90000"/>
+                <a:lumMod val="103000"/>
+              </a:schemeClr>
+            </a:gs>
+            <a:gs pos="100000">
+              <a:schemeClr val="phClr">
+                <a:shade val="63000"/>
+                <a:satMod val="120000"/>
+              </a:schemeClr>
+            </a:gs>
+          </a:gsLst>
+          <a:lin ang="5400000" scaled="0"/>
+        </a:gradFill>
+      </a:bgFillStyleLst>
+    </a:fmtScheme>
+  </a:themeElements>
+  <a:objectDefaults/>
+  <a:extraClrSchemeLst/>
+  <a:extLst>
+    <a:ext uri="{05A4C25C-085E-4340-85A3-A5531E510DB2}">
+      <thm15:themeFamily xmlns:thm15="http://schemas.microsoft.com/office/thememl/2012/main" name="Office Theme" id="{62F939B6-93AF-4DB8-9C6B-D6C7DFDC589F}" vid="{4A3C46E8-61CC-4603-A589-7422A47A8E4A}"/>
+    </a:ext>
+  </a:extLst>
+</a:theme>
 </file>